--- a/Presentation.pptx
+++ b/Presentation.pptx
@@ -12,12 +12,12 @@
     <p:sldId id="268" r:id="rId3"/>
     <p:sldId id="272" r:id="rId4"/>
     <p:sldId id="270" r:id="rId5"/>
-    <p:sldId id="267" r:id="rId6"/>
-    <p:sldId id="264" r:id="rId7"/>
-    <p:sldId id="263" r:id="rId8"/>
-    <p:sldId id="265" r:id="rId9"/>
-    <p:sldId id="262" r:id="rId10"/>
-    <p:sldId id="261" r:id="rId11"/>
+    <p:sldId id="261" r:id="rId6"/>
+    <p:sldId id="267" r:id="rId7"/>
+    <p:sldId id="264" r:id="rId8"/>
+    <p:sldId id="263" r:id="rId9"/>
+    <p:sldId id="265" r:id="rId10"/>
+    <p:sldId id="262" r:id="rId11"/>
     <p:sldId id="266" r:id="rId12"/>
     <p:sldId id="258" r:id="rId13"/>
     <p:sldId id="271" r:id="rId14"/>
@@ -214,7 +214,7 @@
           <a:p>
             <a:fld id="{A556E5F6-862D-486D-91D7-F9B5447548F0}" type="datetimeFigureOut">
               <a:rPr lang="en-US" smtClean="0"/>
-              <a:t>6/24/2024</a:t>
+              <a:t>8/6/2024</a:t>
             </a:fld>
             <a:endParaRPr lang="en-US"/>
           </a:p>
@@ -805,7 +805,7 @@
           <a:p>
             <a:fld id="{168191D1-F4B2-4952-8844-FA3221D210DB}" type="datetimeFigureOut">
               <a:rPr lang="en-US" smtClean="0"/>
-              <a:t>6/24/2024</a:t>
+              <a:t>8/6/2024</a:t>
             </a:fld>
             <a:endParaRPr lang="en-US"/>
           </a:p>
@@ -1003,7 +1003,7 @@
           <a:p>
             <a:fld id="{168191D1-F4B2-4952-8844-FA3221D210DB}" type="datetimeFigureOut">
               <a:rPr lang="en-US" smtClean="0"/>
-              <a:t>6/24/2024</a:t>
+              <a:t>8/6/2024</a:t>
             </a:fld>
             <a:endParaRPr lang="en-US"/>
           </a:p>
@@ -1211,7 +1211,7 @@
           <a:p>
             <a:fld id="{168191D1-F4B2-4952-8844-FA3221D210DB}" type="datetimeFigureOut">
               <a:rPr lang="en-US" smtClean="0"/>
-              <a:t>6/24/2024</a:t>
+              <a:t>8/6/2024</a:t>
             </a:fld>
             <a:endParaRPr lang="en-US"/>
           </a:p>
@@ -1409,7 +1409,7 @@
           <a:p>
             <a:fld id="{168191D1-F4B2-4952-8844-FA3221D210DB}" type="datetimeFigureOut">
               <a:rPr lang="en-US" smtClean="0"/>
-              <a:t>6/24/2024</a:t>
+              <a:t>8/6/2024</a:t>
             </a:fld>
             <a:endParaRPr lang="en-US"/>
           </a:p>
@@ -1684,7 +1684,7 @@
           <a:p>
             <a:fld id="{168191D1-F4B2-4952-8844-FA3221D210DB}" type="datetimeFigureOut">
               <a:rPr lang="en-US" smtClean="0"/>
-              <a:t>6/24/2024</a:t>
+              <a:t>8/6/2024</a:t>
             </a:fld>
             <a:endParaRPr lang="en-US"/>
           </a:p>
@@ -1949,7 +1949,7 @@
           <a:p>
             <a:fld id="{168191D1-F4B2-4952-8844-FA3221D210DB}" type="datetimeFigureOut">
               <a:rPr lang="en-US" smtClean="0"/>
-              <a:t>6/24/2024</a:t>
+              <a:t>8/6/2024</a:t>
             </a:fld>
             <a:endParaRPr lang="en-US"/>
           </a:p>
@@ -2361,7 +2361,7 @@
           <a:p>
             <a:fld id="{168191D1-F4B2-4952-8844-FA3221D210DB}" type="datetimeFigureOut">
               <a:rPr lang="en-US" smtClean="0"/>
-              <a:t>6/24/2024</a:t>
+              <a:t>8/6/2024</a:t>
             </a:fld>
             <a:endParaRPr lang="en-US"/>
           </a:p>
@@ -2502,7 +2502,7 @@
           <a:p>
             <a:fld id="{168191D1-F4B2-4952-8844-FA3221D210DB}" type="datetimeFigureOut">
               <a:rPr lang="en-US" smtClean="0"/>
-              <a:t>6/24/2024</a:t>
+              <a:t>8/6/2024</a:t>
             </a:fld>
             <a:endParaRPr lang="en-US"/>
           </a:p>
@@ -2615,7 +2615,7 @@
           <a:p>
             <a:fld id="{168191D1-F4B2-4952-8844-FA3221D210DB}" type="datetimeFigureOut">
               <a:rPr lang="en-US" smtClean="0"/>
-              <a:t>6/24/2024</a:t>
+              <a:t>8/6/2024</a:t>
             </a:fld>
             <a:endParaRPr lang="en-US"/>
           </a:p>
@@ -2926,7 +2926,7 @@
           <a:p>
             <a:fld id="{168191D1-F4B2-4952-8844-FA3221D210DB}" type="datetimeFigureOut">
               <a:rPr lang="en-US" smtClean="0"/>
-              <a:t>6/24/2024</a:t>
+              <a:t>8/6/2024</a:t>
             </a:fld>
             <a:endParaRPr lang="en-US"/>
           </a:p>
@@ -3214,7 +3214,7 @@
           <a:p>
             <a:fld id="{168191D1-F4B2-4952-8844-FA3221D210DB}" type="datetimeFigureOut">
               <a:rPr lang="en-US" smtClean="0"/>
-              <a:t>6/24/2024</a:t>
+              <a:t>8/6/2024</a:t>
             </a:fld>
             <a:endParaRPr lang="en-US"/>
           </a:p>
@@ -3455,7 +3455,7 @@
           <a:p>
             <a:fld id="{168191D1-F4B2-4952-8844-FA3221D210DB}" type="datetimeFigureOut">
               <a:rPr lang="en-US" smtClean="0"/>
-              <a:t>6/24/2024</a:t>
+              <a:t>8/6/2024</a:t>
             </a:fld>
             <a:endParaRPr lang="en-US"/>
           </a:p>
@@ -3917,7 +3917,7 @@
           <a:p>
             <a:r>
               <a:rPr lang="en-US" dirty="0"/>
-              <a:t>Intrusion Detection System (IDS) Network Traffic</a:t>
+              <a:t>Network Analysis and Cybersecurity Prioritization</a:t>
             </a:r>
           </a:p>
         </p:txBody>
@@ -3950,7 +3950,7 @@
           <a:p>
             <a:r>
               <a:rPr lang="en-US" dirty="0"/>
-              <a:t>A Data-Driven Analysis of Cybersecurity Measures</a:t>
+              <a:t>A Data-Driven Analysis of Network Monitoring Logs</a:t>
             </a:r>
           </a:p>
         </p:txBody>
@@ -3969,7 +3969,7 @@
 </file>
 
 <file path=ppt/slides/slide10.xml><?xml version="1.0" encoding="utf-8"?>
-<p:sld xmlns:a="http://schemas.openxmlformats.org/drawingml/2006/main" xmlns:r="http://schemas.openxmlformats.org/officeDocument/2006/relationships" xmlns:p="http://schemas.openxmlformats.org/presentationml/2006/main">
+<p:sld xmlns:a="http://schemas.openxmlformats.org/drawingml/2006/main" xmlns:r="http://schemas.openxmlformats.org/officeDocument/2006/relationships" xmlns:p="http://schemas.openxmlformats.org/presentationml/2006/main" show="0">
   <p:cSld>
     <p:bg>
       <p:bgPr>
@@ -4002,10 +4002,10 @@
       </p:grpSpPr>
       <p:pic>
         <p:nvPicPr>
-          <p:cNvPr id="3" name="Picture 2" descr="A network graph of the origin and responder ips&#10;&#10;Description automatically generated">
-            <a:extLst>
-              <a:ext uri="{FF2B5EF4-FFF2-40B4-BE49-F238E27FC236}">
-                <a16:creationId xmlns:a16="http://schemas.microsoft.com/office/drawing/2014/main" id="{F60955E7-1333-DD69-392F-A2749C6E9EAB}"/>
+          <p:cNvPr id="3" name="Picture 2" descr="A blue circle with black text&#10;&#10;Description automatically generated">
+            <a:extLst>
+              <a:ext uri="{FF2B5EF4-FFF2-40B4-BE49-F238E27FC236}">
+                <a16:creationId xmlns:a16="http://schemas.microsoft.com/office/drawing/2014/main" id="{D68C9B1C-28FB-28C3-6791-6B3692F12D56}"/>
               </a:ext>
             </a:extLst>
           </p:cNvPr>
@@ -4028,8 +4028,8 @@
         </p:blipFill>
         <p:spPr>
           <a:xfrm>
-            <a:off x="1437123" y="960115"/>
-            <a:ext cx="9317754" cy="4937770"/>
+            <a:off x="2465825" y="1426460"/>
+            <a:ext cx="7260350" cy="4005080"/>
           </a:xfrm>
           <a:prstGeom prst="rect">
             <a:avLst/>
@@ -4041,7 +4041,7 @@
           <p:cNvPr id="4" name="TextBox 3">
             <a:extLst>
               <a:ext uri="{FF2B5EF4-FFF2-40B4-BE49-F238E27FC236}">
-                <a16:creationId xmlns:a16="http://schemas.microsoft.com/office/drawing/2014/main" id="{7F3E1B0E-E635-F3D0-168A-74ED8B812BDB}"/>
+                <a16:creationId xmlns:a16="http://schemas.microsoft.com/office/drawing/2014/main" id="{0CD8AB53-C586-0893-4C0F-83AC5E639000}"/>
               </a:ext>
             </a:extLst>
           </p:cNvPr>
@@ -4067,7 +4067,42 @@
             <a:pPr algn="r"/>
             <a:r>
               <a:rPr lang="en-US" sz="3200" dirty="0"/>
-              <a:t>Data Flow</a:t>
+              <a:t>All Traffic – Protocol Use</a:t>
+            </a:r>
+          </a:p>
+        </p:txBody>
+      </p:sp>
+      <p:sp>
+        <p:nvSpPr>
+          <p:cNvPr id="5" name="TextBox 4">
+            <a:extLst>
+              <a:ext uri="{FF2B5EF4-FFF2-40B4-BE49-F238E27FC236}">
+                <a16:creationId xmlns:a16="http://schemas.microsoft.com/office/drawing/2014/main" id="{850F1EF8-69BE-4A1F-2D66-D9A30DE2E4B4}"/>
+              </a:ext>
+            </a:extLst>
+          </p:cNvPr>
+          <p:cNvSpPr txBox="1"/>
+          <p:nvPr/>
+        </p:nvSpPr>
+        <p:spPr>
+          <a:xfrm>
+            <a:off x="2417062" y="5431540"/>
+            <a:ext cx="7357876" cy="369332"/>
+          </a:xfrm>
+          <a:prstGeom prst="rect">
+            <a:avLst/>
+          </a:prstGeom>
+          <a:noFill/>
+        </p:spPr>
+        <p:txBody>
+          <a:bodyPr wrap="square" rtlCol="0">
+            <a:spAutoFit/>
+          </a:bodyPr>
+          <a:lstStyle/>
+          <a:p>
+            <a:r>
+              <a:rPr lang="en-US" dirty="0"/>
+              <a:t>May be wise to limit, if not eliminate, TCP traffic for targeted IoT devices.</a:t>
             </a:r>
           </a:p>
         </p:txBody>
@@ -4075,7 +4110,7 @@
     </p:spTree>
     <p:extLst>
       <p:ext uri="{BB962C8B-B14F-4D97-AF65-F5344CB8AC3E}">
-        <p14:creationId xmlns:p14="http://schemas.microsoft.com/office/powerpoint/2010/main" val="3240801178"/>
+        <p14:creationId xmlns:p14="http://schemas.microsoft.com/office/powerpoint/2010/main" val="209897682"/>
       </p:ext>
     </p:extLst>
   </p:cSld>
@@ -4203,7 +4238,7 @@
 </file>
 
 <file path=ppt/slides/slide12.xml><?xml version="1.0" encoding="utf-8"?>
-<p:sld xmlns:a="http://schemas.openxmlformats.org/drawingml/2006/main" xmlns:r="http://schemas.openxmlformats.org/officeDocument/2006/relationships" xmlns:p="http://schemas.openxmlformats.org/presentationml/2006/main">
+<p:sld xmlns:a="http://schemas.openxmlformats.org/drawingml/2006/main" xmlns:r="http://schemas.openxmlformats.org/officeDocument/2006/relationships" xmlns:p="http://schemas.openxmlformats.org/presentationml/2006/main" show="0">
   <p:cSld>
     <p:bg>
       <p:bgPr>
@@ -4466,7 +4501,7 @@
 </file>
 
 <file path=ppt/slides/slide14.xml><?xml version="1.0" encoding="utf-8"?>
-<p:sld xmlns:a="http://schemas.openxmlformats.org/drawingml/2006/main" xmlns:r="http://schemas.openxmlformats.org/officeDocument/2006/relationships" xmlns:p="http://schemas.openxmlformats.org/presentationml/2006/main">
+<p:sld xmlns:a="http://schemas.openxmlformats.org/drawingml/2006/main" xmlns:r="http://schemas.openxmlformats.org/officeDocument/2006/relationships" xmlns:p="http://schemas.openxmlformats.org/presentationml/2006/main" show="0">
   <p:cSld>
     <p:bg>
       <p:bgPr>
@@ -4583,7 +4618,7 @@
 </file>
 
 <file path=ppt/slides/slide15.xml><?xml version="1.0" encoding="utf-8"?>
-<p:sld xmlns:a="http://schemas.openxmlformats.org/drawingml/2006/main" xmlns:r="http://schemas.openxmlformats.org/officeDocument/2006/relationships" xmlns:p="http://schemas.openxmlformats.org/presentationml/2006/main">
+<p:sld xmlns:a="http://schemas.openxmlformats.org/drawingml/2006/main" xmlns:r="http://schemas.openxmlformats.org/officeDocument/2006/relationships" xmlns:p="http://schemas.openxmlformats.org/presentationml/2006/main" show="0">
   <p:cSld>
     <p:bg>
       <p:bgPr>
@@ -4735,7 +4770,7 @@
 </file>
 
 <file path=ppt/slides/slide16.xml><?xml version="1.0" encoding="utf-8"?>
-<p:sld xmlns:a="http://schemas.openxmlformats.org/drawingml/2006/main" xmlns:r="http://schemas.openxmlformats.org/officeDocument/2006/relationships" xmlns:p="http://schemas.openxmlformats.org/presentationml/2006/main">
+<p:sld xmlns:a="http://schemas.openxmlformats.org/drawingml/2006/main" xmlns:r="http://schemas.openxmlformats.org/officeDocument/2006/relationships" xmlns:p="http://schemas.openxmlformats.org/presentationml/2006/main" show="0">
   <p:cSld>
     <p:bg>
       <p:bgPr>
@@ -4934,7 +4969,7 @@
         <p:spPr>
           <a:xfrm>
             <a:off x="228600" y="485775"/>
-            <a:ext cx="10668000" cy="6601807"/>
+            <a:ext cx="10668000" cy="5355312"/>
           </a:xfrm>
           <a:prstGeom prst="rect">
             <a:avLst/>
@@ -4954,46 +4989,7 @@
             </a:pPr>
             <a:r>
               <a:rPr lang="en-US" b="1" dirty="0"/>
-              <a:t>IDS Sensors</a:t>
-            </a:r>
-          </a:p>
-          <a:p>
-            <a:pPr marL="742950" lvl="1" indent="-285750">
-              <a:lnSpc>
-                <a:spcPct val="150000"/>
-              </a:lnSpc>
-              <a:buFont typeface="Arial" panose="020B0604020202020204" pitchFamily="34" charset="0"/>
-              <a:buChar char="•"/>
-            </a:pPr>
-            <a:r>
-              <a:rPr lang="en-US" dirty="0"/>
-              <a:t>Deploy both internally (at subnet boundaries) and externally (at the perimeter)</a:t>
-            </a:r>
-          </a:p>
-          <a:p>
-            <a:pPr marL="742950" lvl="1" indent="-285750">
-              <a:lnSpc>
-                <a:spcPct val="150000"/>
-              </a:lnSpc>
-              <a:buFont typeface="Arial" panose="020B0604020202020204" pitchFamily="34" charset="0"/>
-              <a:buChar char="•"/>
-            </a:pPr>
-            <a:r>
-              <a:rPr lang="en-US" dirty="0"/>
-              <a:t>Monitor network segments at key points within the network</a:t>
-            </a:r>
-          </a:p>
-          <a:p>
-            <a:pPr marL="1200150" lvl="2" indent="-285750">
-              <a:lnSpc>
-                <a:spcPct val="150000"/>
-              </a:lnSpc>
-              <a:buFont typeface="Arial" panose="020B0604020202020204" pitchFamily="34" charset="0"/>
-              <a:buChar char="•"/>
-            </a:pPr>
-            <a:r>
-              <a:rPr lang="en-US" dirty="0"/>
-              <a:t>Critical servers or subnet boundaries</a:t>
+              <a:t>Limit traffic to UDP</a:t>
             </a:r>
           </a:p>
           <a:p>
@@ -5004,7 +5000,7 @@
             </a:pPr>
             <a:r>
               <a:rPr lang="en-US" b="1" dirty="0"/>
-              <a:t>Logging</a:t>
+              <a:t>More extensive logging</a:t>
             </a:r>
           </a:p>
           <a:p>
@@ -5813,7 +5809,7 @@
         </p:nvSpPr>
         <p:spPr>
           <a:xfrm>
-            <a:off x="178273" y="814244"/>
+            <a:off x="112776" y="584775"/>
             <a:ext cx="11665527" cy="5126275"/>
           </a:xfrm>
           <a:prstGeom prst="rect">
@@ -6062,7 +6058,7 @@
                 </a:solidFill>
                 <a:latin typeface="Aptos" panose="02110004020202020204"/>
               </a:rPr>
-              <a:t>Will assist in assessing the effectiveness of this IDS on IoT devices</a:t>
+              <a:t>To ascertain most likely malicious activity and efficacy of mitigations</a:t>
             </a:r>
           </a:p>
           <a:p>
@@ -6251,7 +6247,7 @@
 </file>
 
 <file path=ppt/slides/slide4.xml><?xml version="1.0" encoding="utf-8"?>
-<p:sld xmlns:a="http://schemas.openxmlformats.org/drawingml/2006/main" xmlns:r="http://schemas.openxmlformats.org/officeDocument/2006/relationships" xmlns:p="http://schemas.openxmlformats.org/presentationml/2006/main">
+<p:sld xmlns:a="http://schemas.openxmlformats.org/drawingml/2006/main" xmlns:r="http://schemas.openxmlformats.org/officeDocument/2006/relationships" xmlns:p="http://schemas.openxmlformats.org/presentationml/2006/main" show="0">
   <p:cSld>
     <p:bg>
       <p:bgPr>
@@ -6297,7 +6293,7 @@
         <p:spPr>
           <a:xfrm>
             <a:off x="206848" y="814244"/>
-            <a:ext cx="11665527" cy="6284862"/>
+            <a:ext cx="11665527" cy="4207370"/>
           </a:xfrm>
           <a:prstGeom prst="rect">
             <a:avLst/>
@@ -6476,142 +6472,10 @@
             </a:endParaRPr>
           </a:p>
           <a:p>
-            <a:pPr marL="285750" indent="-285750">
+            <a:pPr lvl="1">
               <a:lnSpc>
                 <a:spcPct val="150000"/>
               </a:lnSpc>
-              <a:buFont typeface="Arial" panose="020B0604020202020204" pitchFamily="34" charset="0"/>
-              <a:buChar char="•"/>
-            </a:pPr>
-            <a:r>
-              <a:rPr kumimoji="0" lang="en-US" sz="1800" b="1" u="none" strike="noStrike" kern="1200" cap="none" spc="0" normalizeH="0" baseline="0" noProof="0" dirty="0">
-                <a:ln>
-                  <a:noFill/>
-                </a:ln>
-                <a:solidFill>
-                  <a:srgbClr val="000000"/>
-                </a:solidFill>
-                <a:uLnTx/>
-                <a:uFillTx/>
-                <a:ea typeface="+mn-ea"/>
-                <a:cs typeface="+mn-cs"/>
-              </a:rPr>
-              <a:t>Internet of Things (IoT) – </a:t>
-            </a:r>
-            <a:r>
-              <a:rPr kumimoji="0" lang="en-US" sz="1800" u="none" strike="noStrike" kern="1200" cap="none" spc="0" normalizeH="0" baseline="0" noProof="0" dirty="0">
-                <a:ln>
-                  <a:noFill/>
-                </a:ln>
-                <a:solidFill>
-                  <a:srgbClr val="000000"/>
-                </a:solidFill>
-                <a:uLnTx/>
-                <a:uFillTx/>
-                <a:ea typeface="+mn-ea"/>
-                <a:cs typeface="+mn-cs"/>
-              </a:rPr>
-              <a:t>Software and other technologies that connect and exchange data with other devices and systems over the internet or other communications networks.</a:t>
-            </a:r>
-          </a:p>
-          <a:p>
-            <a:pPr marL="742950" lvl="1" indent="-285750">
-              <a:lnSpc>
-                <a:spcPct val="150000"/>
-              </a:lnSpc>
-              <a:buFont typeface="Arial" panose="020B0604020202020204" pitchFamily="34" charset="0"/>
-              <a:buChar char="•"/>
-            </a:pPr>
-            <a:r>
-              <a:rPr kumimoji="0" lang="en-US" b="1" i="0" u="none" strike="noStrike" kern="1200" cap="none" spc="0" normalizeH="0" baseline="0" noProof="0" dirty="0">
-                <a:ln>
-                  <a:noFill/>
-                </a:ln>
-                <a:solidFill>
-                  <a:prstClr val="black"/>
-                </a:solidFill>
-                <a:effectLst/>
-                <a:uLnTx/>
-                <a:uFillTx/>
-                <a:ea typeface="+mn-ea"/>
-                <a:cs typeface="+mn-cs"/>
-              </a:rPr>
-              <a:t>Smart Appliances (Security camera, lights, thermostats, </a:t>
-            </a:r>
-            <a:r>
-              <a:rPr kumimoji="0" lang="en-US" b="1" i="0" u="none" strike="noStrike" kern="1200" cap="none" spc="0" normalizeH="0" baseline="0" noProof="0" dirty="0" err="1">
-                <a:ln>
-                  <a:noFill/>
-                </a:ln>
-                <a:solidFill>
-                  <a:prstClr val="black"/>
-                </a:solidFill>
-                <a:effectLst/>
-                <a:uLnTx/>
-                <a:uFillTx/>
-                <a:ea typeface="+mn-ea"/>
-                <a:cs typeface="+mn-cs"/>
-              </a:rPr>
-              <a:t>etc</a:t>
-            </a:r>
-            <a:r>
-              <a:rPr kumimoji="0" lang="en-US" b="1" i="0" u="none" strike="noStrike" kern="1200" cap="none" spc="0" normalizeH="0" baseline="0" noProof="0" dirty="0">
-                <a:ln>
-                  <a:noFill/>
-                </a:ln>
-                <a:solidFill>
-                  <a:prstClr val="black"/>
-                </a:solidFill>
-                <a:effectLst/>
-                <a:uLnTx/>
-                <a:uFillTx/>
-                <a:ea typeface="+mn-ea"/>
-                <a:cs typeface="+mn-cs"/>
-              </a:rPr>
-              <a:t>)</a:t>
-            </a:r>
-          </a:p>
-          <a:p>
-            <a:pPr marL="742950" lvl="1" indent="-285750">
-              <a:lnSpc>
-                <a:spcPct val="150000"/>
-              </a:lnSpc>
-              <a:buFont typeface="Arial" panose="020B0604020202020204" pitchFamily="34" charset="0"/>
-              <a:buChar char="•"/>
-            </a:pPr>
-            <a:r>
-              <a:rPr lang="en-US" b="1" dirty="0">
-                <a:solidFill>
-                  <a:prstClr val="black"/>
-                </a:solidFill>
-              </a:rPr>
-              <a:t>Wearable Devices</a:t>
-            </a:r>
-          </a:p>
-          <a:p>
-            <a:pPr marL="742950" lvl="1" indent="-285750">
-              <a:lnSpc>
-                <a:spcPct val="150000"/>
-              </a:lnSpc>
-              <a:buFont typeface="Arial" panose="020B0604020202020204" pitchFamily="34" charset="0"/>
-              <a:buChar char="•"/>
-            </a:pPr>
-            <a:r>
-              <a:rPr lang="en-US" b="1" dirty="0">
-                <a:solidFill>
-                  <a:prstClr val="black"/>
-                </a:solidFill>
-              </a:rPr>
-              <a:t>Healthcare</a:t>
-            </a:r>
-          </a:p>
-          <a:p>
-            <a:pPr marL="742950" lvl="1" indent="-285750">
-              <a:lnSpc>
-                <a:spcPct val="150000"/>
-              </a:lnSpc>
-              <a:buFont typeface="Arial" panose="020B0604020202020204" pitchFamily="34" charset="0"/>
-              <a:buChar char="•"/>
             </a:pPr>
             <a:endParaRPr kumimoji="0" lang="en-US" b="1" i="0" u="none" strike="noStrike" kern="1200" cap="none" spc="0" normalizeH="0" baseline="0" noProof="0" dirty="0">
               <a:ln>
@@ -6799,6 +6663,123 @@
       </p:grpSpPr>
       <p:pic>
         <p:nvPicPr>
+          <p:cNvPr id="3" name="Picture 2" descr="A network graph of the origin and responder ips&#10;&#10;Description automatically generated">
+            <a:extLst>
+              <a:ext uri="{FF2B5EF4-FFF2-40B4-BE49-F238E27FC236}">
+                <a16:creationId xmlns:a16="http://schemas.microsoft.com/office/drawing/2014/main" id="{F60955E7-1333-DD69-392F-A2749C6E9EAB}"/>
+              </a:ext>
+            </a:extLst>
+          </p:cNvPr>
+          <p:cNvPicPr>
+            <a:picLocks noChangeAspect="1"/>
+          </p:cNvPicPr>
+          <p:nvPr/>
+        </p:nvPicPr>
+        <p:blipFill>
+          <a:blip r:embed="rId3">
+            <a:extLst>
+              <a:ext uri="{28A0092B-C50C-407E-A947-70E740481C1C}">
+                <a14:useLocalDpi xmlns:a14="http://schemas.microsoft.com/office/drawing/2010/main" val="0"/>
+              </a:ext>
+            </a:extLst>
+          </a:blip>
+          <a:stretch>
+            <a:fillRect/>
+          </a:stretch>
+        </p:blipFill>
+        <p:spPr>
+          <a:xfrm>
+            <a:off x="1437123" y="960115"/>
+            <a:ext cx="9317754" cy="4937770"/>
+          </a:xfrm>
+          <a:prstGeom prst="rect">
+            <a:avLst/>
+          </a:prstGeom>
+        </p:spPr>
+      </p:pic>
+      <p:sp>
+        <p:nvSpPr>
+          <p:cNvPr id="4" name="TextBox 3">
+            <a:extLst>
+              <a:ext uri="{FF2B5EF4-FFF2-40B4-BE49-F238E27FC236}">
+                <a16:creationId xmlns:a16="http://schemas.microsoft.com/office/drawing/2014/main" id="{7F3E1B0E-E635-F3D0-168A-74ED8B812BDB}"/>
+              </a:ext>
+            </a:extLst>
+          </p:cNvPr>
+          <p:cNvSpPr txBox="1"/>
+          <p:nvPr/>
+        </p:nvSpPr>
+        <p:spPr>
+          <a:xfrm>
+            <a:off x="0" y="0"/>
+            <a:ext cx="12079224" cy="584775"/>
+          </a:xfrm>
+          <a:prstGeom prst="rect">
+            <a:avLst/>
+          </a:prstGeom>
+          <a:noFill/>
+        </p:spPr>
+        <p:txBody>
+          <a:bodyPr wrap="square" rtlCol="0">
+            <a:spAutoFit/>
+          </a:bodyPr>
+          <a:lstStyle/>
+          <a:p>
+            <a:pPr algn="r"/>
+            <a:r>
+              <a:rPr lang="en-US" sz="3200" dirty="0"/>
+              <a:t>Data Flow</a:t>
+            </a:r>
+          </a:p>
+        </p:txBody>
+      </p:sp>
+    </p:spTree>
+    <p:extLst>
+      <p:ext uri="{BB962C8B-B14F-4D97-AF65-F5344CB8AC3E}">
+        <p14:creationId xmlns:p14="http://schemas.microsoft.com/office/powerpoint/2010/main" val="3240801178"/>
+      </p:ext>
+    </p:extLst>
+  </p:cSld>
+  <p:clrMapOvr>
+    <a:masterClrMapping/>
+  </p:clrMapOvr>
+</p:sld>
+</file>
+
+<file path=ppt/slides/slide6.xml><?xml version="1.0" encoding="utf-8"?>
+<p:sld xmlns:a="http://schemas.openxmlformats.org/drawingml/2006/main" xmlns:r="http://schemas.openxmlformats.org/officeDocument/2006/relationships" xmlns:p="http://schemas.openxmlformats.org/presentationml/2006/main" show="0">
+  <p:cSld>
+    <p:bg>
+      <p:bgPr>
+        <a:blipFill dpi="0" rotWithShape="1">
+          <a:blip r:embed="rId2">
+            <a:alphaModFix amt="40000"/>
+            <a:lum/>
+          </a:blip>
+          <a:srcRect/>
+          <a:stretch>
+            <a:fillRect t="-1000" b="-1000"/>
+          </a:stretch>
+        </a:blipFill>
+        <a:effectLst/>
+      </p:bgPr>
+    </p:bg>
+    <p:spTree>
+      <p:nvGrpSpPr>
+        <p:cNvPr id="1" name=""/>
+        <p:cNvGrpSpPr/>
+        <p:nvPr/>
+      </p:nvGrpSpPr>
+      <p:grpSpPr>
+        <a:xfrm>
+          <a:off x="0" y="0"/>
+          <a:ext cx="0" cy="0"/>
+          <a:chOff x="0" y="0"/>
+          <a:chExt cx="0" cy="0"/>
+        </a:xfrm>
+      </p:grpSpPr>
+      <p:pic>
+        <p:nvPicPr>
           <p:cNvPr id="3" name="Picture 2" descr="A blue and red triangle with black text&#10;&#10;Description automatically generated">
             <a:extLst>
               <a:ext uri="{FF2B5EF4-FFF2-40B4-BE49-F238E27FC236}">
@@ -6934,7 +6915,7 @@
 </p:sld>
 </file>
 
-<file path=ppt/slides/slide6.xml><?xml version="1.0" encoding="utf-8"?>
+<file path=ppt/slides/slide7.xml><?xml version="1.0" encoding="utf-8"?>
 <p:sld xmlns:a="http://schemas.openxmlformats.org/drawingml/2006/main" xmlns:r="http://schemas.openxmlformats.org/officeDocument/2006/relationships" xmlns:p="http://schemas.openxmlformats.org/presentationml/2006/main">
   <p:cSld>
     <p:bg>
@@ -6994,7 +6975,7 @@
         </p:blipFill>
         <p:spPr>
           <a:xfrm>
-            <a:off x="1307691" y="698007"/>
+            <a:off x="1508859" y="629121"/>
             <a:ext cx="9061505" cy="5042289"/>
           </a:xfrm>
           <a:prstGeom prst="rect">
@@ -7052,7 +7033,7 @@
         </p:nvSpPr>
         <p:spPr>
           <a:xfrm>
-            <a:off x="1034796" y="5740296"/>
+            <a:off x="789432" y="5691216"/>
             <a:ext cx="11402568" cy="369332"/>
           </a:xfrm>
           <a:prstGeom prst="rect">
@@ -7068,7 +7049,7 @@
           <a:p>
             <a:r>
               <a:rPr lang="en-US" dirty="0"/>
-              <a:t>This network traffic typically uses UDP, while the malicious traffic almost always comes over TCP.</a:t>
+              <a:t>Benign traffic for this network typically uses UDP, while the malicious traffic almost always comes over TCP.</a:t>
             </a:r>
           </a:p>
         </p:txBody>
@@ -7077,123 +7058,6 @@
     <p:extLst>
       <p:ext uri="{BB962C8B-B14F-4D97-AF65-F5344CB8AC3E}">
         <p14:creationId xmlns:p14="http://schemas.microsoft.com/office/powerpoint/2010/main" val="2057067485"/>
-      </p:ext>
-    </p:extLst>
-  </p:cSld>
-  <p:clrMapOvr>
-    <a:masterClrMapping/>
-  </p:clrMapOvr>
-</p:sld>
-</file>
-
-<file path=ppt/slides/slide7.xml><?xml version="1.0" encoding="utf-8"?>
-<p:sld xmlns:a="http://schemas.openxmlformats.org/drawingml/2006/main" xmlns:r="http://schemas.openxmlformats.org/officeDocument/2006/relationships" xmlns:p="http://schemas.openxmlformats.org/presentationml/2006/main" show="0">
-  <p:cSld>
-    <p:bg>
-      <p:bgPr>
-        <a:blipFill dpi="0" rotWithShape="1">
-          <a:blip r:embed="rId2">
-            <a:alphaModFix amt="40000"/>
-            <a:lum/>
-          </a:blip>
-          <a:srcRect/>
-          <a:stretch>
-            <a:fillRect t="-1000" b="-1000"/>
-          </a:stretch>
-        </a:blipFill>
-        <a:effectLst/>
-      </p:bgPr>
-    </p:bg>
-    <p:spTree>
-      <p:nvGrpSpPr>
-        <p:cNvPr id="1" name=""/>
-        <p:cNvGrpSpPr/>
-        <p:nvPr/>
-      </p:nvGrpSpPr>
-      <p:grpSpPr>
-        <a:xfrm>
-          <a:off x="0" y="0"/>
-          <a:ext cx="0" cy="0"/>
-          <a:chOff x="0" y="0"/>
-          <a:chExt cx="0" cy="0"/>
-        </a:xfrm>
-      </p:grpSpPr>
-      <p:pic>
-        <p:nvPicPr>
-          <p:cNvPr id="3" name="Picture 2" descr="A green and blue bar graph&#10;&#10;Description automatically generated">
-            <a:extLst>
-              <a:ext uri="{FF2B5EF4-FFF2-40B4-BE49-F238E27FC236}">
-                <a16:creationId xmlns:a16="http://schemas.microsoft.com/office/drawing/2014/main" id="{522099FF-8098-F4B2-3F36-A248A56E082D}"/>
-              </a:ext>
-            </a:extLst>
-          </p:cNvPr>
-          <p:cNvPicPr>
-            <a:picLocks noChangeAspect="1"/>
-          </p:cNvPicPr>
-          <p:nvPr/>
-        </p:nvPicPr>
-        <p:blipFill>
-          <a:blip r:embed="rId3">
-            <a:extLst>
-              <a:ext uri="{28A0092B-C50C-407E-A947-70E740481C1C}">
-                <a14:useLocalDpi xmlns:a14="http://schemas.microsoft.com/office/drawing/2010/main" val="0"/>
-              </a:ext>
-            </a:extLst>
-          </a:blip>
-          <a:stretch>
-            <a:fillRect/>
-          </a:stretch>
-        </p:blipFill>
-        <p:spPr>
-          <a:xfrm>
-            <a:off x="2168644" y="868675"/>
-            <a:ext cx="7854712" cy="5120650"/>
-          </a:xfrm>
-          <a:prstGeom prst="rect">
-            <a:avLst/>
-          </a:prstGeom>
-        </p:spPr>
-      </p:pic>
-      <p:sp>
-        <p:nvSpPr>
-          <p:cNvPr id="4" name="TextBox 3">
-            <a:extLst>
-              <a:ext uri="{FF2B5EF4-FFF2-40B4-BE49-F238E27FC236}">
-                <a16:creationId xmlns:a16="http://schemas.microsoft.com/office/drawing/2014/main" id="{86CE8543-3EA0-424F-4401-8930EF42694E}"/>
-              </a:ext>
-            </a:extLst>
-          </p:cNvPr>
-          <p:cNvSpPr txBox="1"/>
-          <p:nvPr/>
-        </p:nvSpPr>
-        <p:spPr>
-          <a:xfrm>
-            <a:off x="0" y="0"/>
-            <a:ext cx="12079224" cy="584775"/>
-          </a:xfrm>
-          <a:prstGeom prst="rect">
-            <a:avLst/>
-          </a:prstGeom>
-          <a:noFill/>
-        </p:spPr>
-        <p:txBody>
-          <a:bodyPr wrap="square" rtlCol="0">
-            <a:spAutoFit/>
-          </a:bodyPr>
-          <a:lstStyle/>
-          <a:p>
-            <a:pPr algn="r"/>
-            <a:r>
-              <a:rPr lang="en-US" sz="3200" dirty="0"/>
-              <a:t>Benign Traffic - Protocol</a:t>
-            </a:r>
-          </a:p>
-        </p:txBody>
-      </p:sp>
-    </p:spTree>
-    <p:extLst>
-      <p:ext uri="{BB962C8B-B14F-4D97-AF65-F5344CB8AC3E}">
-        <p14:creationId xmlns:p14="http://schemas.microsoft.com/office/powerpoint/2010/main" val="3926141449"/>
       </p:ext>
     </p:extLst>
   </p:cSld>
@@ -7237,10 +7101,10 @@
       </p:grpSpPr>
       <p:pic>
         <p:nvPicPr>
-          <p:cNvPr id="3" name="Picture 2" descr="A blue rectangular graph with text&#10;&#10;Description automatically generated">
-            <a:extLst>
-              <a:ext uri="{FF2B5EF4-FFF2-40B4-BE49-F238E27FC236}">
-                <a16:creationId xmlns:a16="http://schemas.microsoft.com/office/drawing/2014/main" id="{28F99F70-E489-B5AB-D1A4-95D3E8720BB0}"/>
+          <p:cNvPr id="3" name="Picture 2" descr="A green and blue bar graph&#10;&#10;Description automatically generated">
+            <a:extLst>
+              <a:ext uri="{FF2B5EF4-FFF2-40B4-BE49-F238E27FC236}">
+                <a16:creationId xmlns:a16="http://schemas.microsoft.com/office/drawing/2014/main" id="{522099FF-8098-F4B2-3F36-A248A56E082D}"/>
               </a:ext>
             </a:extLst>
           </p:cNvPr>
@@ -7263,8 +7127,8 @@
         </p:blipFill>
         <p:spPr>
           <a:xfrm>
-            <a:off x="2127496" y="868675"/>
-            <a:ext cx="7937008" cy="5120650"/>
+            <a:off x="2168644" y="868675"/>
+            <a:ext cx="7854712" cy="5120650"/>
           </a:xfrm>
           <a:prstGeom prst="rect">
             <a:avLst/>
@@ -7276,7 +7140,7 @@
           <p:cNvPr id="4" name="TextBox 3">
             <a:extLst>
               <a:ext uri="{FF2B5EF4-FFF2-40B4-BE49-F238E27FC236}">
-                <a16:creationId xmlns:a16="http://schemas.microsoft.com/office/drawing/2014/main" id="{966EEFD9-F97B-D703-C7F7-BFC52B695EE8}"/>
+                <a16:creationId xmlns:a16="http://schemas.microsoft.com/office/drawing/2014/main" id="{86CE8543-3EA0-424F-4401-8930EF42694E}"/>
               </a:ext>
             </a:extLst>
           </p:cNvPr>
@@ -7302,7 +7166,7 @@
             <a:pPr algn="r"/>
             <a:r>
               <a:rPr lang="en-US" sz="3200" dirty="0"/>
-              <a:t>Malicious Traffic Protocol</a:t>
+              <a:t>Benign Traffic - Protocol</a:t>
             </a:r>
           </a:p>
         </p:txBody>
@@ -7310,7 +7174,7 @@
     </p:spTree>
     <p:extLst>
       <p:ext uri="{BB962C8B-B14F-4D97-AF65-F5344CB8AC3E}">
-        <p14:creationId xmlns:p14="http://schemas.microsoft.com/office/powerpoint/2010/main" val="3828460752"/>
+        <p14:creationId xmlns:p14="http://schemas.microsoft.com/office/powerpoint/2010/main" val="3926141449"/>
       </p:ext>
     </p:extLst>
   </p:cSld>
@@ -7321,7 +7185,7 @@
 </file>
 
 <file path=ppt/slides/slide9.xml><?xml version="1.0" encoding="utf-8"?>
-<p:sld xmlns:a="http://schemas.openxmlformats.org/drawingml/2006/main" xmlns:r="http://schemas.openxmlformats.org/officeDocument/2006/relationships" xmlns:p="http://schemas.openxmlformats.org/presentationml/2006/main">
+<p:sld xmlns:a="http://schemas.openxmlformats.org/drawingml/2006/main" xmlns:r="http://schemas.openxmlformats.org/officeDocument/2006/relationships" xmlns:p="http://schemas.openxmlformats.org/presentationml/2006/main" show="0">
   <p:cSld>
     <p:bg>
       <p:bgPr>
@@ -7354,10 +7218,10 @@
       </p:grpSpPr>
       <p:pic>
         <p:nvPicPr>
-          <p:cNvPr id="3" name="Picture 2" descr="A blue circle with black text&#10;&#10;Description automatically generated">
-            <a:extLst>
-              <a:ext uri="{FF2B5EF4-FFF2-40B4-BE49-F238E27FC236}">
-                <a16:creationId xmlns:a16="http://schemas.microsoft.com/office/drawing/2014/main" id="{D68C9B1C-28FB-28C3-6791-6B3692F12D56}"/>
+          <p:cNvPr id="3" name="Picture 2" descr="A blue rectangular graph with text&#10;&#10;Description automatically generated">
+            <a:extLst>
+              <a:ext uri="{FF2B5EF4-FFF2-40B4-BE49-F238E27FC236}">
+                <a16:creationId xmlns:a16="http://schemas.microsoft.com/office/drawing/2014/main" id="{28F99F70-E489-B5AB-D1A4-95D3E8720BB0}"/>
               </a:ext>
             </a:extLst>
           </p:cNvPr>
@@ -7380,8 +7244,8 @@
         </p:blipFill>
         <p:spPr>
           <a:xfrm>
-            <a:off x="2465825" y="1426460"/>
-            <a:ext cx="7260350" cy="4005080"/>
+            <a:off x="2127496" y="868675"/>
+            <a:ext cx="7937008" cy="5120650"/>
           </a:xfrm>
           <a:prstGeom prst="rect">
             <a:avLst/>
@@ -7393,7 +7257,7 @@
           <p:cNvPr id="4" name="TextBox 3">
             <a:extLst>
               <a:ext uri="{FF2B5EF4-FFF2-40B4-BE49-F238E27FC236}">
-                <a16:creationId xmlns:a16="http://schemas.microsoft.com/office/drawing/2014/main" id="{0CD8AB53-C586-0893-4C0F-83AC5E639000}"/>
+                <a16:creationId xmlns:a16="http://schemas.microsoft.com/office/drawing/2014/main" id="{966EEFD9-F97B-D703-C7F7-BFC52B695EE8}"/>
               </a:ext>
             </a:extLst>
           </p:cNvPr>
@@ -7419,42 +7283,7 @@
             <a:pPr algn="r"/>
             <a:r>
               <a:rPr lang="en-US" sz="3200" dirty="0"/>
-              <a:t>All Traffic – Protocol Use</a:t>
-            </a:r>
-          </a:p>
-        </p:txBody>
-      </p:sp>
-      <p:sp>
-        <p:nvSpPr>
-          <p:cNvPr id="5" name="TextBox 4">
-            <a:extLst>
-              <a:ext uri="{FF2B5EF4-FFF2-40B4-BE49-F238E27FC236}">
-                <a16:creationId xmlns:a16="http://schemas.microsoft.com/office/drawing/2014/main" id="{850F1EF8-69BE-4A1F-2D66-D9A30DE2E4B4}"/>
-              </a:ext>
-            </a:extLst>
-          </p:cNvPr>
-          <p:cNvSpPr txBox="1"/>
-          <p:nvPr/>
-        </p:nvSpPr>
-        <p:spPr>
-          <a:xfrm>
-            <a:off x="2417062" y="5431540"/>
-            <a:ext cx="7357876" cy="369332"/>
-          </a:xfrm>
-          <a:prstGeom prst="rect">
-            <a:avLst/>
-          </a:prstGeom>
-          <a:noFill/>
-        </p:spPr>
-        <p:txBody>
-          <a:bodyPr wrap="square" rtlCol="0">
-            <a:spAutoFit/>
-          </a:bodyPr>
-          <a:lstStyle/>
-          <a:p>
-            <a:r>
-              <a:rPr lang="en-US" dirty="0"/>
-              <a:t>May be wise to limit, if not eliminate, TCP traffic for targeted IoT devices.</a:t>
+              <a:t>Malicious Traffic Protocol</a:t>
             </a:r>
           </a:p>
         </p:txBody>
@@ -7462,7 +7291,7 @@
     </p:spTree>
     <p:extLst>
       <p:ext uri="{BB962C8B-B14F-4D97-AF65-F5344CB8AC3E}">
-        <p14:creationId xmlns:p14="http://schemas.microsoft.com/office/powerpoint/2010/main" val="209897682"/>
+        <p14:creationId xmlns:p14="http://schemas.microsoft.com/office/powerpoint/2010/main" val="3828460752"/>
       </p:ext>
     </p:extLst>
   </p:cSld>

--- a/Presentation.pptx
+++ b/Presentation.pptx
@@ -214,7 +214,7 @@
           <a:p>
             <a:fld id="{A556E5F6-862D-486D-91D7-F9B5447548F0}" type="datetimeFigureOut">
               <a:rPr lang="en-US" smtClean="0"/>
-              <a:t>8/6/2024</a:t>
+              <a:t>8/7/2024</a:t>
             </a:fld>
             <a:endParaRPr lang="en-US"/>
           </a:p>
@@ -805,7 +805,7 @@
           <a:p>
             <a:fld id="{168191D1-F4B2-4952-8844-FA3221D210DB}" type="datetimeFigureOut">
               <a:rPr lang="en-US" smtClean="0"/>
-              <a:t>8/6/2024</a:t>
+              <a:t>8/7/2024</a:t>
             </a:fld>
             <a:endParaRPr lang="en-US"/>
           </a:p>
@@ -1003,7 +1003,7 @@
           <a:p>
             <a:fld id="{168191D1-F4B2-4952-8844-FA3221D210DB}" type="datetimeFigureOut">
               <a:rPr lang="en-US" smtClean="0"/>
-              <a:t>8/6/2024</a:t>
+              <a:t>8/7/2024</a:t>
             </a:fld>
             <a:endParaRPr lang="en-US"/>
           </a:p>
@@ -1211,7 +1211,7 @@
           <a:p>
             <a:fld id="{168191D1-F4B2-4952-8844-FA3221D210DB}" type="datetimeFigureOut">
               <a:rPr lang="en-US" smtClean="0"/>
-              <a:t>8/6/2024</a:t>
+              <a:t>8/7/2024</a:t>
             </a:fld>
             <a:endParaRPr lang="en-US"/>
           </a:p>
@@ -1409,7 +1409,7 @@
           <a:p>
             <a:fld id="{168191D1-F4B2-4952-8844-FA3221D210DB}" type="datetimeFigureOut">
               <a:rPr lang="en-US" smtClean="0"/>
-              <a:t>8/6/2024</a:t>
+              <a:t>8/7/2024</a:t>
             </a:fld>
             <a:endParaRPr lang="en-US"/>
           </a:p>
@@ -1684,7 +1684,7 @@
           <a:p>
             <a:fld id="{168191D1-F4B2-4952-8844-FA3221D210DB}" type="datetimeFigureOut">
               <a:rPr lang="en-US" smtClean="0"/>
-              <a:t>8/6/2024</a:t>
+              <a:t>8/7/2024</a:t>
             </a:fld>
             <a:endParaRPr lang="en-US"/>
           </a:p>
@@ -1949,7 +1949,7 @@
           <a:p>
             <a:fld id="{168191D1-F4B2-4952-8844-FA3221D210DB}" type="datetimeFigureOut">
               <a:rPr lang="en-US" smtClean="0"/>
-              <a:t>8/6/2024</a:t>
+              <a:t>8/7/2024</a:t>
             </a:fld>
             <a:endParaRPr lang="en-US"/>
           </a:p>
@@ -2361,7 +2361,7 @@
           <a:p>
             <a:fld id="{168191D1-F4B2-4952-8844-FA3221D210DB}" type="datetimeFigureOut">
               <a:rPr lang="en-US" smtClean="0"/>
-              <a:t>8/6/2024</a:t>
+              <a:t>8/7/2024</a:t>
             </a:fld>
             <a:endParaRPr lang="en-US"/>
           </a:p>
@@ -2502,7 +2502,7 @@
           <a:p>
             <a:fld id="{168191D1-F4B2-4952-8844-FA3221D210DB}" type="datetimeFigureOut">
               <a:rPr lang="en-US" smtClean="0"/>
-              <a:t>8/6/2024</a:t>
+              <a:t>8/7/2024</a:t>
             </a:fld>
             <a:endParaRPr lang="en-US"/>
           </a:p>
@@ -2615,7 +2615,7 @@
           <a:p>
             <a:fld id="{168191D1-F4B2-4952-8844-FA3221D210DB}" type="datetimeFigureOut">
               <a:rPr lang="en-US" smtClean="0"/>
-              <a:t>8/6/2024</a:t>
+              <a:t>8/7/2024</a:t>
             </a:fld>
             <a:endParaRPr lang="en-US"/>
           </a:p>
@@ -2926,7 +2926,7 @@
           <a:p>
             <a:fld id="{168191D1-F4B2-4952-8844-FA3221D210DB}" type="datetimeFigureOut">
               <a:rPr lang="en-US" smtClean="0"/>
-              <a:t>8/6/2024</a:t>
+              <a:t>8/7/2024</a:t>
             </a:fld>
             <a:endParaRPr lang="en-US"/>
           </a:p>
@@ -3214,7 +3214,7 @@
           <a:p>
             <a:fld id="{168191D1-F4B2-4952-8844-FA3221D210DB}" type="datetimeFigureOut">
               <a:rPr lang="en-US" smtClean="0"/>
-              <a:t>8/6/2024</a:t>
+              <a:t>8/7/2024</a:t>
             </a:fld>
             <a:endParaRPr lang="en-US"/>
           </a:p>
@@ -3455,7 +3455,7 @@
           <a:p>
             <a:fld id="{168191D1-F4B2-4952-8844-FA3221D210DB}" type="datetimeFigureOut">
               <a:rPr lang="en-US" smtClean="0"/>
-              <a:t>8/6/2024</a:t>
+              <a:t>8/7/2024</a:t>
             </a:fld>
             <a:endParaRPr lang="en-US"/>
           </a:p>
@@ -5810,7 +5810,7 @@
         <p:spPr>
           <a:xfrm>
             <a:off x="112776" y="584775"/>
-            <a:ext cx="11665527" cy="5126275"/>
+            <a:ext cx="11665527" cy="3741281"/>
           </a:xfrm>
           <a:prstGeom prst="rect">
             <a:avLst/>
@@ -5920,81 +5920,6 @@
                 <a:latin typeface="Aptos" panose="02110004020202020204"/>
               </a:rPr>
               <a:t>Contains more than 23,000 rows, without duplicates</a:t>
-            </a:r>
-          </a:p>
-          <a:p>
-            <a:pPr marL="342900" marR="0" lvl="0" indent="-342900" algn="l" defTabSz="914400" rtl="0" eaLnBrk="1" fontAlgn="auto" latinLnBrk="0" hangingPunct="1">
-              <a:lnSpc>
-                <a:spcPct val="150000"/>
-              </a:lnSpc>
-              <a:spcBef>
-                <a:spcPts val="0"/>
-              </a:spcBef>
-              <a:spcAft>
-                <a:spcPts val="0"/>
-              </a:spcAft>
-              <a:buClrTx/>
-              <a:buSzTx/>
-              <a:buFont typeface="Arial" panose="020B0604020202020204" pitchFamily="34" charset="0"/>
-              <a:buChar char="•"/>
-              <a:tabLst/>
-              <a:defRPr/>
-            </a:pPr>
-            <a:r>
-              <a:rPr lang="en-US" sz="2000" dirty="0">
-                <a:solidFill>
-                  <a:prstClr val="black"/>
-                </a:solidFill>
-                <a:latin typeface="Aptos" panose="02110004020202020204"/>
-              </a:rPr>
-              <a:t>Will need to convert binary string values into integer values “1” and “0”</a:t>
-            </a:r>
-          </a:p>
-          <a:p>
-            <a:pPr marL="800100" lvl="1" indent="-342900">
-              <a:lnSpc>
-                <a:spcPct val="150000"/>
-              </a:lnSpc>
-              <a:buFont typeface="Arial" panose="020B0604020202020204" pitchFamily="34" charset="0"/>
-              <a:buChar char="•"/>
-              <a:defRPr/>
-            </a:pPr>
-            <a:r>
-              <a:rPr lang="en-US" sz="2000" dirty="0">
-                <a:solidFill>
-                  <a:prstClr val="black"/>
-                </a:solidFill>
-                <a:latin typeface="Aptos" panose="02110004020202020204"/>
-              </a:rPr>
-              <a:t>For example: Malicious will equal 1 and benign will equal 0</a:t>
-            </a:r>
-          </a:p>
-          <a:p>
-            <a:pPr marL="342900" marR="0" lvl="0" indent="-342900" algn="l" defTabSz="914400" rtl="0" eaLnBrk="1" fontAlgn="auto" latinLnBrk="0" hangingPunct="1">
-              <a:lnSpc>
-                <a:spcPct val="150000"/>
-              </a:lnSpc>
-              <a:spcBef>
-                <a:spcPts val="0"/>
-              </a:spcBef>
-              <a:spcAft>
-                <a:spcPts val="0"/>
-              </a:spcAft>
-              <a:buClrTx/>
-              <a:buSzTx/>
-              <a:buFont typeface="Arial" panose="020B0604020202020204" pitchFamily="34" charset="0"/>
-              <a:buChar char="•"/>
-              <a:tabLst/>
-              <a:defRPr/>
-            </a:pPr>
-            <a:r>
-              <a:rPr lang="en-US" sz="2000" dirty="0">
-                <a:solidFill>
-                  <a:prstClr val="black"/>
-                </a:solidFill>
-                <a:latin typeface="Aptos" panose="02110004020202020204"/>
-              </a:rPr>
-              <a:t>Columns with non-binary string values may be dropped for certain stages of analysis</a:t>
             </a:r>
           </a:p>
           <a:p>

--- a/Presentation.pptx
+++ b/Presentation.pptx
@@ -5,7 +5,7 @@
     <p:sldMasterId id="2147483648" r:id="rId1"/>
   </p:sldMasterIdLst>
   <p:notesMasterIdLst>
-    <p:notesMasterId r:id="rId20"/>
+    <p:notesMasterId r:id="rId21"/>
   </p:notesMasterIdLst>
   <p:sldIdLst>
     <p:sldId id="256" r:id="rId2"/>
@@ -18,14 +18,15 @@
     <p:sldId id="263" r:id="rId9"/>
     <p:sldId id="265" r:id="rId10"/>
     <p:sldId id="262" r:id="rId11"/>
-    <p:sldId id="266" r:id="rId12"/>
-    <p:sldId id="258" r:id="rId13"/>
-    <p:sldId id="271" r:id="rId14"/>
-    <p:sldId id="257" r:id="rId15"/>
-    <p:sldId id="259" r:id="rId16"/>
-    <p:sldId id="260" r:id="rId17"/>
-    <p:sldId id="269" r:id="rId18"/>
-    <p:sldId id="273" r:id="rId19"/>
+    <p:sldId id="274" r:id="rId12"/>
+    <p:sldId id="275" r:id="rId13"/>
+    <p:sldId id="258" r:id="rId14"/>
+    <p:sldId id="271" r:id="rId15"/>
+    <p:sldId id="257" r:id="rId16"/>
+    <p:sldId id="259" r:id="rId17"/>
+    <p:sldId id="260" r:id="rId18"/>
+    <p:sldId id="269" r:id="rId19"/>
+    <p:sldId id="273" r:id="rId20"/>
   </p:sldIdLst>
   <p:sldSz cx="12192000" cy="6858000"/>
   <p:notesSz cx="6858000" cy="9144000"/>
@@ -214,7 +215,7 @@
           <a:p>
             <a:fld id="{A556E5F6-862D-486D-91D7-F9B5447548F0}" type="datetimeFigureOut">
               <a:rPr lang="en-US" smtClean="0"/>
-              <a:t>8/7/2024</a:t>
+              <a:t>8/8/2024</a:t>
             </a:fld>
             <a:endParaRPr lang="en-US"/>
           </a:p>
@@ -805,7 +806,7 @@
           <a:p>
             <a:fld id="{168191D1-F4B2-4952-8844-FA3221D210DB}" type="datetimeFigureOut">
               <a:rPr lang="en-US" smtClean="0"/>
-              <a:t>8/7/2024</a:t>
+              <a:t>8/8/2024</a:t>
             </a:fld>
             <a:endParaRPr lang="en-US"/>
           </a:p>
@@ -1003,7 +1004,7 @@
           <a:p>
             <a:fld id="{168191D1-F4B2-4952-8844-FA3221D210DB}" type="datetimeFigureOut">
               <a:rPr lang="en-US" smtClean="0"/>
-              <a:t>8/7/2024</a:t>
+              <a:t>8/8/2024</a:t>
             </a:fld>
             <a:endParaRPr lang="en-US"/>
           </a:p>
@@ -1211,7 +1212,7 @@
           <a:p>
             <a:fld id="{168191D1-F4B2-4952-8844-FA3221D210DB}" type="datetimeFigureOut">
               <a:rPr lang="en-US" smtClean="0"/>
-              <a:t>8/7/2024</a:t>
+              <a:t>8/8/2024</a:t>
             </a:fld>
             <a:endParaRPr lang="en-US"/>
           </a:p>
@@ -1409,7 +1410,7 @@
           <a:p>
             <a:fld id="{168191D1-F4B2-4952-8844-FA3221D210DB}" type="datetimeFigureOut">
               <a:rPr lang="en-US" smtClean="0"/>
-              <a:t>8/7/2024</a:t>
+              <a:t>8/8/2024</a:t>
             </a:fld>
             <a:endParaRPr lang="en-US"/>
           </a:p>
@@ -1684,7 +1685,7 @@
           <a:p>
             <a:fld id="{168191D1-F4B2-4952-8844-FA3221D210DB}" type="datetimeFigureOut">
               <a:rPr lang="en-US" smtClean="0"/>
-              <a:t>8/7/2024</a:t>
+              <a:t>8/8/2024</a:t>
             </a:fld>
             <a:endParaRPr lang="en-US"/>
           </a:p>
@@ -1949,7 +1950,7 @@
           <a:p>
             <a:fld id="{168191D1-F4B2-4952-8844-FA3221D210DB}" type="datetimeFigureOut">
               <a:rPr lang="en-US" smtClean="0"/>
-              <a:t>8/7/2024</a:t>
+              <a:t>8/8/2024</a:t>
             </a:fld>
             <a:endParaRPr lang="en-US"/>
           </a:p>
@@ -2361,7 +2362,7 @@
           <a:p>
             <a:fld id="{168191D1-F4B2-4952-8844-FA3221D210DB}" type="datetimeFigureOut">
               <a:rPr lang="en-US" smtClean="0"/>
-              <a:t>8/7/2024</a:t>
+              <a:t>8/8/2024</a:t>
             </a:fld>
             <a:endParaRPr lang="en-US"/>
           </a:p>
@@ -2502,7 +2503,7 @@
           <a:p>
             <a:fld id="{168191D1-F4B2-4952-8844-FA3221D210DB}" type="datetimeFigureOut">
               <a:rPr lang="en-US" smtClean="0"/>
-              <a:t>8/7/2024</a:t>
+              <a:t>8/8/2024</a:t>
             </a:fld>
             <a:endParaRPr lang="en-US"/>
           </a:p>
@@ -2615,7 +2616,7 @@
           <a:p>
             <a:fld id="{168191D1-F4B2-4952-8844-FA3221D210DB}" type="datetimeFigureOut">
               <a:rPr lang="en-US" smtClean="0"/>
-              <a:t>8/7/2024</a:t>
+              <a:t>8/8/2024</a:t>
             </a:fld>
             <a:endParaRPr lang="en-US"/>
           </a:p>
@@ -2926,7 +2927,7 @@
           <a:p>
             <a:fld id="{168191D1-F4B2-4952-8844-FA3221D210DB}" type="datetimeFigureOut">
               <a:rPr lang="en-US" smtClean="0"/>
-              <a:t>8/7/2024</a:t>
+              <a:t>8/8/2024</a:t>
             </a:fld>
             <a:endParaRPr lang="en-US"/>
           </a:p>
@@ -3214,7 +3215,7 @@
           <a:p>
             <a:fld id="{168191D1-F4B2-4952-8844-FA3221D210DB}" type="datetimeFigureOut">
               <a:rPr lang="en-US" smtClean="0"/>
-              <a:t>8/7/2024</a:t>
+              <a:t>8/8/2024</a:t>
             </a:fld>
             <a:endParaRPr lang="en-US"/>
           </a:p>
@@ -3455,7 +3456,7 @@
           <a:p>
             <a:fld id="{168191D1-F4B2-4952-8844-FA3221D210DB}" type="datetimeFigureOut">
               <a:rPr lang="en-US" smtClean="0"/>
-              <a:t>8/7/2024</a:t>
+              <a:t>8/8/2024</a:t>
             </a:fld>
             <a:endParaRPr lang="en-US"/>
           </a:p>
@@ -3969,7 +3970,7 @@
 </file>
 
 <file path=ppt/slides/slide10.xml><?xml version="1.0" encoding="utf-8"?>
-<p:sld xmlns:a="http://schemas.openxmlformats.org/drawingml/2006/main" xmlns:r="http://schemas.openxmlformats.org/officeDocument/2006/relationships" xmlns:p="http://schemas.openxmlformats.org/presentationml/2006/main" show="0">
+<p:sld xmlns:a="http://schemas.openxmlformats.org/drawingml/2006/main" xmlns:r="http://schemas.openxmlformats.org/officeDocument/2006/relationships" xmlns:p="http://schemas.openxmlformats.org/presentationml/2006/main">
   <p:cSld>
     <p:bg>
       <p:bgPr>
@@ -4100,9 +4101,10 @@
           </a:bodyPr>
           <a:lstStyle/>
           <a:p>
+            <a:pPr algn="ctr"/>
             <a:r>
               <a:rPr lang="en-US" dirty="0"/>
-              <a:t>May be wise to limit, if not eliminate, TCP traffic for targeted IoT devices.</a:t>
+              <a:t>May be wise to limit, if not eliminate, TCP traffic.</a:t>
             </a:r>
           </a:p>
         </p:txBody>
@@ -4180,9 +4182,38 @@
           </a:bodyPr>
           <a:lstStyle/>
           <a:p>
-            <a:pPr algn="r"/>
-            <a:r>
-              <a:rPr lang="en-US" sz="3200" dirty="0"/>
+            <a:pPr marL="0" marR="0" lvl="0" indent="0" algn="r" defTabSz="914400" rtl="0" eaLnBrk="1" fontAlgn="auto" latinLnBrk="0" hangingPunct="1">
+              <a:lnSpc>
+                <a:spcPct val="100000"/>
+              </a:lnSpc>
+              <a:spcBef>
+                <a:spcPts val="0"/>
+              </a:spcBef>
+              <a:spcAft>
+                <a:spcPts val="0"/>
+              </a:spcAft>
+              <a:buClrTx/>
+              <a:buSzTx/>
+              <a:buFontTx/>
+              <a:buNone/>
+              <a:tabLst/>
+              <a:defRPr/>
+            </a:pPr>
+            <a:r>
+              <a:rPr kumimoji="0" lang="en-US" sz="3200" b="0" i="0" u="none" strike="noStrike" kern="1200" cap="none" spc="0" normalizeH="0" baseline="0" noProof="0" dirty="0">
+                <a:ln>
+                  <a:noFill/>
+                </a:ln>
+                <a:solidFill>
+                  <a:prstClr val="black"/>
+                </a:solidFill>
+                <a:effectLst/>
+                <a:uLnTx/>
+                <a:uFillTx/>
+                <a:latin typeface="Aptos" panose="02110004020202020204"/>
+                <a:ea typeface="+mn-ea"/>
+                <a:cs typeface="+mn-cs"/>
+              </a:rPr>
               <a:t>Targeted IP Addresses</a:t>
             </a:r>
           </a:p>
@@ -4190,10 +4221,10 @@
       </p:sp>
       <p:pic>
         <p:nvPicPr>
-          <p:cNvPr id="5" name="Picture 4" descr="A graph with numbers and a bar">
-            <a:extLst>
-              <a:ext uri="{FF2B5EF4-FFF2-40B4-BE49-F238E27FC236}">
-                <a16:creationId xmlns:a16="http://schemas.microsoft.com/office/drawing/2014/main" id="{58DC8854-B5A1-67D7-8235-71D2CBFD270C}"/>
+          <p:cNvPr id="3" name="Picture 2">
+            <a:extLst>
+              <a:ext uri="{FF2B5EF4-FFF2-40B4-BE49-F238E27FC236}">
+                <a16:creationId xmlns:a16="http://schemas.microsoft.com/office/drawing/2014/main" id="{083A9F26-1A0B-E73D-D2AE-65777CF916F8}"/>
               </a:ext>
             </a:extLst>
           </p:cNvPr>
@@ -4216,8 +4247,8 @@
         </p:blipFill>
         <p:spPr>
           <a:xfrm>
-            <a:off x="1834269" y="584775"/>
-            <a:ext cx="8523462" cy="5322254"/>
+            <a:off x="1418834" y="553206"/>
+            <a:ext cx="9354331" cy="5751587"/>
           </a:xfrm>
           <a:prstGeom prst="rect">
             <a:avLst/>
@@ -4227,7 +4258,7 @@
     </p:spTree>
     <p:extLst>
       <p:ext uri="{BB962C8B-B14F-4D97-AF65-F5344CB8AC3E}">
-        <p14:creationId xmlns:p14="http://schemas.microsoft.com/office/powerpoint/2010/main" val="1146859810"/>
+        <p14:creationId xmlns:p14="http://schemas.microsoft.com/office/powerpoint/2010/main" val="2332419550"/>
       </p:ext>
     </p:extLst>
   </p:cSld>
@@ -4238,6 +4269,772 @@
 </file>
 
 <file path=ppt/slides/slide12.xml><?xml version="1.0" encoding="utf-8"?>
+<p:sld xmlns:a="http://schemas.openxmlformats.org/drawingml/2006/main" xmlns:r="http://schemas.openxmlformats.org/officeDocument/2006/relationships" xmlns:p="http://schemas.openxmlformats.org/presentationml/2006/main">
+  <p:cSld>
+    <p:bg>
+      <p:bgPr>
+        <a:blipFill dpi="0" rotWithShape="1">
+          <a:blip r:embed="rId2">
+            <a:alphaModFix amt="40000"/>
+            <a:lum/>
+          </a:blip>
+          <a:srcRect/>
+          <a:stretch>
+            <a:fillRect t="-1000" b="-1000"/>
+          </a:stretch>
+        </a:blipFill>
+        <a:effectLst/>
+      </p:bgPr>
+    </p:bg>
+    <p:spTree>
+      <p:nvGrpSpPr>
+        <p:cNvPr id="1" name=""/>
+        <p:cNvGrpSpPr/>
+        <p:nvPr/>
+      </p:nvGrpSpPr>
+      <p:grpSpPr>
+        <a:xfrm>
+          <a:off x="0" y="0"/>
+          <a:ext cx="0" cy="0"/>
+          <a:chOff x="0" y="0"/>
+          <a:chExt cx="0" cy="0"/>
+        </a:xfrm>
+      </p:grpSpPr>
+      <p:sp>
+        <p:nvSpPr>
+          <p:cNvPr id="2" name="TextBox 1">
+            <a:extLst>
+              <a:ext uri="{FF2B5EF4-FFF2-40B4-BE49-F238E27FC236}">
+                <a16:creationId xmlns:a16="http://schemas.microsoft.com/office/drawing/2014/main" id="{AD25E25B-1B54-20D4-2B95-FCB6B8FDFA59}"/>
+              </a:ext>
+            </a:extLst>
+          </p:cNvPr>
+          <p:cNvSpPr txBox="1"/>
+          <p:nvPr/>
+        </p:nvSpPr>
+        <p:spPr>
+          <a:xfrm>
+            <a:off x="0" y="0"/>
+            <a:ext cx="12079224" cy="584775"/>
+          </a:xfrm>
+          <a:prstGeom prst="rect">
+            <a:avLst/>
+          </a:prstGeom>
+          <a:noFill/>
+        </p:spPr>
+        <p:txBody>
+          <a:bodyPr wrap="square" rtlCol="0">
+            <a:spAutoFit/>
+          </a:bodyPr>
+          <a:lstStyle/>
+          <a:p>
+            <a:pPr marL="0" marR="0" lvl="0" indent="0" algn="r" defTabSz="914400" rtl="0" eaLnBrk="1" fontAlgn="auto" latinLnBrk="0" hangingPunct="1">
+              <a:lnSpc>
+                <a:spcPct val="100000"/>
+              </a:lnSpc>
+              <a:spcBef>
+                <a:spcPts val="0"/>
+              </a:spcBef>
+              <a:spcAft>
+                <a:spcPts val="0"/>
+              </a:spcAft>
+              <a:buClrTx/>
+              <a:buSzTx/>
+              <a:buFontTx/>
+              <a:buNone/>
+              <a:tabLst/>
+              <a:defRPr/>
+            </a:pPr>
+            <a:r>
+              <a:rPr kumimoji="0" lang="en-US" sz="3200" b="0" i="0" u="none" strike="noStrike" kern="1200" cap="none" spc="0" normalizeH="0" baseline="0" noProof="0" dirty="0">
+                <a:ln>
+                  <a:noFill/>
+                </a:ln>
+                <a:solidFill>
+                  <a:prstClr val="black"/>
+                </a:solidFill>
+                <a:effectLst/>
+                <a:uLnTx/>
+                <a:uFillTx/>
+                <a:latin typeface="Aptos" panose="02110004020202020204"/>
+                <a:ea typeface="+mn-ea"/>
+                <a:cs typeface="+mn-cs"/>
+              </a:rPr>
+              <a:t>Tools and Proof of Concept</a:t>
+            </a:r>
+          </a:p>
+        </p:txBody>
+      </p:sp>
+      <p:sp>
+        <p:nvSpPr>
+          <p:cNvPr id="3" name="TextBox 2">
+            <a:extLst>
+              <a:ext uri="{FF2B5EF4-FFF2-40B4-BE49-F238E27FC236}">
+                <a16:creationId xmlns:a16="http://schemas.microsoft.com/office/drawing/2014/main" id="{5A9224B9-598F-E26E-8158-779456797605}"/>
+              </a:ext>
+            </a:extLst>
+          </p:cNvPr>
+          <p:cNvSpPr txBox="1"/>
+          <p:nvPr/>
+        </p:nvSpPr>
+        <p:spPr>
+          <a:xfrm>
+            <a:off x="228600" y="485775"/>
+            <a:ext cx="5410200" cy="3277820"/>
+          </a:xfrm>
+          <a:prstGeom prst="rect">
+            <a:avLst/>
+          </a:prstGeom>
+          <a:noFill/>
+        </p:spPr>
+        <p:txBody>
+          <a:bodyPr wrap="square" rtlCol="0">
+            <a:spAutoFit/>
+          </a:bodyPr>
+          <a:lstStyle/>
+          <a:p>
+            <a:pPr marL="0" marR="0" lvl="0" indent="0" algn="l" defTabSz="914400" rtl="0" eaLnBrk="1" fontAlgn="auto" latinLnBrk="0" hangingPunct="1">
+              <a:lnSpc>
+                <a:spcPct val="150000"/>
+              </a:lnSpc>
+              <a:spcBef>
+                <a:spcPts val="0"/>
+              </a:spcBef>
+              <a:spcAft>
+                <a:spcPts val="0"/>
+              </a:spcAft>
+              <a:buClrTx/>
+              <a:buSzTx/>
+              <a:buFontTx/>
+              <a:buNone/>
+              <a:tabLst/>
+              <a:defRPr/>
+            </a:pPr>
+            <a:r>
+              <a:rPr lang="en-US" b="1" dirty="0">
+                <a:solidFill>
+                  <a:prstClr val="black"/>
+                </a:solidFill>
+                <a:latin typeface="Aptos" panose="02110004020202020204"/>
+              </a:rPr>
+              <a:t>Prediction of malicious activity for IP addresses:</a:t>
+            </a:r>
+          </a:p>
+          <a:p>
+            <a:pPr marL="742950" lvl="1" indent="-285750">
+              <a:lnSpc>
+                <a:spcPct val="150000"/>
+              </a:lnSpc>
+              <a:buFont typeface="Arial" panose="020B0604020202020204" pitchFamily="34" charset="0"/>
+              <a:buChar char="•"/>
+            </a:pPr>
+            <a:r>
+              <a:rPr kumimoji="0" lang="en-US" b="1" i="0" u="none" strike="noStrike" kern="1200" cap="none" spc="0" normalizeH="0" baseline="0" noProof="0" dirty="0">
+                <a:ln>
+                  <a:noFill/>
+                </a:ln>
+                <a:solidFill>
+                  <a:prstClr val="black"/>
+                </a:solidFill>
+                <a:effectLst/>
+                <a:uLnTx/>
+                <a:uFillTx/>
+                <a:latin typeface="Aptos" panose="02110004020202020204"/>
+                <a:ea typeface="+mn-ea"/>
+                <a:cs typeface="+mn-cs"/>
+              </a:rPr>
+              <a:t>Will include</a:t>
+            </a:r>
+            <a:r>
+              <a:rPr lang="en-US" b="1" dirty="0">
+                <a:solidFill>
+                  <a:prstClr val="black"/>
+                </a:solidFill>
+                <a:latin typeface="Aptos" panose="02110004020202020204"/>
+              </a:rPr>
+              <a:t> all the data from the dataset</a:t>
+            </a:r>
+          </a:p>
+          <a:p>
+            <a:pPr marL="1200150" lvl="2" indent="-285750">
+              <a:lnSpc>
+                <a:spcPct val="150000"/>
+              </a:lnSpc>
+              <a:buFont typeface="Arial" panose="020B0604020202020204" pitchFamily="34" charset="0"/>
+              <a:buChar char="•"/>
+            </a:pPr>
+            <a:r>
+              <a:rPr kumimoji="0" lang="en-US" b="1" i="0" u="none" strike="noStrike" kern="1200" cap="none" spc="0" normalizeH="0" baseline="0" noProof="0" dirty="0">
+                <a:ln>
+                  <a:noFill/>
+                </a:ln>
+                <a:solidFill>
+                  <a:prstClr val="black"/>
+                </a:solidFill>
+                <a:effectLst/>
+                <a:uLnTx/>
+                <a:uFillTx/>
+                <a:latin typeface="Aptos" panose="02110004020202020204"/>
+                <a:ea typeface="+mn-ea"/>
+                <a:cs typeface="+mn-cs"/>
+              </a:rPr>
+              <a:t>Duration of connection</a:t>
+            </a:r>
+          </a:p>
+          <a:p>
+            <a:pPr marL="1200150" lvl="2" indent="-285750">
+              <a:lnSpc>
+                <a:spcPct val="150000"/>
+              </a:lnSpc>
+              <a:buFont typeface="Arial" panose="020B0604020202020204" pitchFamily="34" charset="0"/>
+              <a:buChar char="•"/>
+            </a:pPr>
+            <a:r>
+              <a:rPr lang="en-US" b="1" dirty="0">
+                <a:solidFill>
+                  <a:prstClr val="black"/>
+                </a:solidFill>
+                <a:latin typeface="Aptos" panose="02110004020202020204"/>
+              </a:rPr>
+              <a:t>Protocol used</a:t>
+            </a:r>
+          </a:p>
+          <a:p>
+            <a:pPr marL="1200150" lvl="2" indent="-285750">
+              <a:lnSpc>
+                <a:spcPct val="150000"/>
+              </a:lnSpc>
+              <a:buFont typeface="Arial" panose="020B0604020202020204" pitchFamily="34" charset="0"/>
+              <a:buChar char="•"/>
+            </a:pPr>
+            <a:r>
+              <a:rPr kumimoji="0" lang="en-US" b="1" i="0" u="none" strike="noStrike" kern="1200" cap="none" spc="0" normalizeH="0" baseline="0" noProof="0" dirty="0">
+                <a:ln>
+                  <a:noFill/>
+                </a:ln>
+                <a:solidFill>
+                  <a:prstClr val="black"/>
+                </a:solidFill>
+                <a:effectLst/>
+                <a:uLnTx/>
+                <a:uFillTx/>
+                <a:latin typeface="Aptos" panose="02110004020202020204"/>
+                <a:ea typeface="+mn-ea"/>
+                <a:cs typeface="+mn-cs"/>
+              </a:rPr>
+              <a:t>Amount of data transferred</a:t>
+            </a:r>
+          </a:p>
+          <a:p>
+            <a:pPr marL="1200150" lvl="2" indent="-285750">
+              <a:lnSpc>
+                <a:spcPct val="150000"/>
+              </a:lnSpc>
+              <a:buFont typeface="Arial" panose="020B0604020202020204" pitchFamily="34" charset="0"/>
+              <a:buChar char="•"/>
+            </a:pPr>
+            <a:r>
+              <a:rPr lang="en-US" b="1" dirty="0">
+                <a:solidFill>
+                  <a:prstClr val="black"/>
+                </a:solidFill>
+                <a:latin typeface="Aptos" panose="02110004020202020204"/>
+              </a:rPr>
+              <a:t>Ports that were accessed</a:t>
+            </a:r>
+          </a:p>
+          <a:p>
+            <a:pPr>
+              <a:lnSpc>
+                <a:spcPct val="150000"/>
+              </a:lnSpc>
+            </a:pPr>
+            <a:endParaRPr kumimoji="0" lang="en-US" b="1" i="0" u="none" strike="noStrike" kern="1200" cap="none" spc="0" normalizeH="0" baseline="0" noProof="0" dirty="0">
+              <a:ln>
+                <a:noFill/>
+              </a:ln>
+              <a:solidFill>
+                <a:prstClr val="black"/>
+              </a:solidFill>
+              <a:effectLst/>
+              <a:uLnTx/>
+              <a:uFillTx/>
+              <a:latin typeface="Aptos" panose="02110004020202020204"/>
+              <a:ea typeface="+mn-ea"/>
+              <a:cs typeface="+mn-cs"/>
+            </a:endParaRPr>
+          </a:p>
+          <a:p>
+            <a:pPr marL="0" marR="0" lvl="0" indent="0" algn="l" defTabSz="914400" rtl="0" eaLnBrk="1" fontAlgn="auto" latinLnBrk="0" hangingPunct="1">
+              <a:lnSpc>
+                <a:spcPct val="100000"/>
+              </a:lnSpc>
+              <a:spcBef>
+                <a:spcPts val="0"/>
+              </a:spcBef>
+              <a:spcAft>
+                <a:spcPts val="0"/>
+              </a:spcAft>
+              <a:buClrTx/>
+              <a:buSzTx/>
+              <a:buFontTx/>
+              <a:buNone/>
+              <a:tabLst/>
+              <a:defRPr/>
+            </a:pPr>
+            <a:endParaRPr kumimoji="0" lang="en-US" sz="1800" b="0" i="0" u="none" strike="noStrike" kern="1200" cap="none" spc="0" normalizeH="0" baseline="0" noProof="0" dirty="0">
+              <a:ln>
+                <a:noFill/>
+              </a:ln>
+              <a:solidFill>
+                <a:prstClr val="black"/>
+              </a:solidFill>
+              <a:effectLst/>
+              <a:uLnTx/>
+              <a:uFillTx/>
+              <a:latin typeface="Aptos" panose="02110004020202020204"/>
+              <a:ea typeface="+mn-ea"/>
+              <a:cs typeface="+mn-cs"/>
+            </a:endParaRPr>
+          </a:p>
+        </p:txBody>
+      </p:sp>
+      <p:sp>
+        <p:nvSpPr>
+          <p:cNvPr id="4" name="TextBox 3">
+            <a:extLst>
+              <a:ext uri="{FF2B5EF4-FFF2-40B4-BE49-F238E27FC236}">
+                <a16:creationId xmlns:a16="http://schemas.microsoft.com/office/drawing/2014/main" id="{49970EFF-A317-0ADD-3411-851E9C7B5BB6}"/>
+              </a:ext>
+            </a:extLst>
+          </p:cNvPr>
+          <p:cNvSpPr txBox="1"/>
+          <p:nvPr/>
+        </p:nvSpPr>
+        <p:spPr>
+          <a:xfrm>
+            <a:off x="5638800" y="485775"/>
+            <a:ext cx="5410200" cy="4108817"/>
+          </a:xfrm>
+          <a:prstGeom prst="rect">
+            <a:avLst/>
+          </a:prstGeom>
+          <a:noFill/>
+        </p:spPr>
+        <p:txBody>
+          <a:bodyPr wrap="square" rtlCol="0">
+            <a:spAutoFit/>
+          </a:bodyPr>
+          <a:lstStyle/>
+          <a:p>
+            <a:pPr marL="0" marR="0" lvl="0" indent="0" algn="r" defTabSz="914400" rtl="0" eaLnBrk="1" fontAlgn="auto" latinLnBrk="0" hangingPunct="1">
+              <a:lnSpc>
+                <a:spcPct val="150000"/>
+              </a:lnSpc>
+              <a:spcBef>
+                <a:spcPts val="0"/>
+              </a:spcBef>
+              <a:spcAft>
+                <a:spcPts val="0"/>
+              </a:spcAft>
+              <a:buClrTx/>
+              <a:buSzTx/>
+              <a:buFontTx/>
+              <a:buNone/>
+              <a:tabLst/>
+              <a:defRPr/>
+            </a:pPr>
+            <a:r>
+              <a:rPr lang="en-US" b="1" dirty="0">
+                <a:solidFill>
+                  <a:prstClr val="black"/>
+                </a:solidFill>
+                <a:latin typeface="Aptos" panose="02110004020202020204"/>
+              </a:rPr>
+              <a:t>Potential IP addresses for prediction:</a:t>
+            </a:r>
+          </a:p>
+          <a:p>
+            <a:pPr marL="0" marR="0" lvl="0" indent="0" algn="r" defTabSz="914400" rtl="0" eaLnBrk="1" fontAlgn="auto" latinLnBrk="0" hangingPunct="1">
+              <a:lnSpc>
+                <a:spcPct val="150000"/>
+              </a:lnSpc>
+              <a:spcBef>
+                <a:spcPts val="0"/>
+              </a:spcBef>
+              <a:spcAft>
+                <a:spcPts val="0"/>
+              </a:spcAft>
+              <a:buClrTx/>
+              <a:buSzTx/>
+              <a:buFontTx/>
+              <a:buNone/>
+              <a:tabLst/>
+              <a:defRPr/>
+            </a:pPr>
+            <a:r>
+              <a:rPr lang="en-US" b="1" dirty="0">
+                <a:solidFill>
+                  <a:prstClr val="black"/>
+                </a:solidFill>
+                <a:latin typeface="Aptos" panose="02110004020202020204"/>
+              </a:rPr>
+              <a:t>	</a:t>
+            </a:r>
+            <a:r>
+              <a:rPr lang="en-US" b="1" dirty="0">
+                <a:solidFill>
+                  <a:srgbClr val="FF0000"/>
+                </a:solidFill>
+                <a:latin typeface="Aptos" panose="02110004020202020204"/>
+              </a:rPr>
+              <a:t>185.244.25.235</a:t>
+            </a:r>
+          </a:p>
+          <a:p>
+            <a:pPr marL="0" marR="0" lvl="0" indent="0" algn="r" defTabSz="914400" rtl="0" eaLnBrk="1" fontAlgn="auto" latinLnBrk="0" hangingPunct="1">
+              <a:lnSpc>
+                <a:spcPct val="150000"/>
+              </a:lnSpc>
+              <a:spcBef>
+                <a:spcPts val="0"/>
+              </a:spcBef>
+              <a:spcAft>
+                <a:spcPts val="0"/>
+              </a:spcAft>
+              <a:buClrTx/>
+              <a:buSzTx/>
+              <a:buFontTx/>
+              <a:buNone/>
+              <a:tabLst/>
+              <a:defRPr/>
+            </a:pPr>
+            <a:r>
+              <a:rPr lang="en-US" b="1" dirty="0">
+                <a:solidFill>
+                  <a:srgbClr val="FF0000"/>
+                </a:solidFill>
+                <a:latin typeface="Aptos" panose="02110004020202020204"/>
+              </a:rPr>
+              <a:t>	123.59.209.185</a:t>
+            </a:r>
+          </a:p>
+          <a:p>
+            <a:pPr marL="0" marR="0" lvl="0" indent="0" algn="r" defTabSz="914400" rtl="0" eaLnBrk="1" fontAlgn="auto" latinLnBrk="0" hangingPunct="1">
+              <a:lnSpc>
+                <a:spcPct val="150000"/>
+              </a:lnSpc>
+              <a:spcBef>
+                <a:spcPts val="0"/>
+              </a:spcBef>
+              <a:spcAft>
+                <a:spcPts val="0"/>
+              </a:spcAft>
+              <a:buClrTx/>
+              <a:buSzTx/>
+              <a:buFontTx/>
+              <a:buNone/>
+              <a:tabLst/>
+              <a:defRPr/>
+            </a:pPr>
+            <a:r>
+              <a:rPr lang="en-US" b="1" dirty="0">
+                <a:solidFill>
+                  <a:srgbClr val="FF0000"/>
+                </a:solidFill>
+                <a:latin typeface="Aptos" panose="02110004020202020204"/>
+              </a:rPr>
+              <a:t>	1.1.1.1</a:t>
+            </a:r>
+          </a:p>
+          <a:p>
+            <a:pPr marL="0" marR="0" lvl="0" indent="0" algn="r" defTabSz="914400" rtl="0" eaLnBrk="1" fontAlgn="auto" latinLnBrk="0" hangingPunct="1">
+              <a:lnSpc>
+                <a:spcPct val="150000"/>
+              </a:lnSpc>
+              <a:spcBef>
+                <a:spcPts val="0"/>
+              </a:spcBef>
+              <a:spcAft>
+                <a:spcPts val="0"/>
+              </a:spcAft>
+              <a:buClrTx/>
+              <a:buSzTx/>
+              <a:buFontTx/>
+              <a:buNone/>
+              <a:tabLst/>
+              <a:defRPr/>
+            </a:pPr>
+            <a:r>
+              <a:rPr lang="en-US" b="1" dirty="0">
+                <a:solidFill>
+                  <a:prstClr val="black"/>
+                </a:solidFill>
+                <a:latin typeface="Aptos" panose="02110004020202020204"/>
+              </a:rPr>
+              <a:t>	</a:t>
+            </a:r>
+            <a:r>
+              <a:rPr lang="en-US" b="1" dirty="0">
+                <a:solidFill>
+                  <a:srgbClr val="00B050"/>
+                </a:solidFill>
+                <a:latin typeface="Aptos" panose="02110004020202020204"/>
+              </a:rPr>
+              <a:t>147.231.100.5</a:t>
+            </a:r>
+          </a:p>
+          <a:p>
+            <a:pPr marL="0" marR="0" lvl="0" indent="0" algn="r" defTabSz="914400" rtl="0" eaLnBrk="1" fontAlgn="auto" latinLnBrk="0" hangingPunct="1">
+              <a:lnSpc>
+                <a:spcPct val="150000"/>
+              </a:lnSpc>
+              <a:spcBef>
+                <a:spcPts val="0"/>
+              </a:spcBef>
+              <a:spcAft>
+                <a:spcPts val="0"/>
+              </a:spcAft>
+              <a:buClrTx/>
+              <a:buSzTx/>
+              <a:buFontTx/>
+              <a:buNone/>
+              <a:tabLst/>
+              <a:defRPr/>
+            </a:pPr>
+            <a:endParaRPr lang="en-US" b="1" dirty="0">
+              <a:solidFill>
+                <a:prstClr val="black"/>
+              </a:solidFill>
+              <a:latin typeface="Aptos" panose="02110004020202020204"/>
+            </a:endParaRPr>
+          </a:p>
+          <a:p>
+            <a:pPr marL="0" marR="0" lvl="0" indent="0" algn="r" defTabSz="914400" rtl="0" eaLnBrk="1" fontAlgn="auto" latinLnBrk="0" hangingPunct="1">
+              <a:lnSpc>
+                <a:spcPct val="150000"/>
+              </a:lnSpc>
+              <a:spcBef>
+                <a:spcPts val="0"/>
+              </a:spcBef>
+              <a:spcAft>
+                <a:spcPts val="0"/>
+              </a:spcAft>
+              <a:buClrTx/>
+              <a:buSzTx/>
+              <a:buFontTx/>
+              <a:buNone/>
+              <a:tabLst/>
+              <a:defRPr/>
+            </a:pPr>
+            <a:endParaRPr lang="en-US" b="1" dirty="0">
+              <a:solidFill>
+                <a:prstClr val="black"/>
+              </a:solidFill>
+              <a:latin typeface="Aptos" panose="02110004020202020204"/>
+            </a:endParaRPr>
+          </a:p>
+          <a:p>
+            <a:pPr marL="0" marR="0" lvl="0" indent="0" algn="r" defTabSz="914400" rtl="0" eaLnBrk="1" fontAlgn="auto" latinLnBrk="0" hangingPunct="1">
+              <a:lnSpc>
+                <a:spcPct val="150000"/>
+              </a:lnSpc>
+              <a:spcBef>
+                <a:spcPts val="0"/>
+              </a:spcBef>
+              <a:spcAft>
+                <a:spcPts val="0"/>
+              </a:spcAft>
+              <a:buClrTx/>
+              <a:buSzTx/>
+              <a:buFontTx/>
+              <a:buNone/>
+              <a:tabLst/>
+              <a:defRPr/>
+            </a:pPr>
+            <a:endParaRPr lang="en-US" b="1" dirty="0">
+              <a:solidFill>
+                <a:prstClr val="black"/>
+              </a:solidFill>
+              <a:latin typeface="Aptos" panose="02110004020202020204"/>
+            </a:endParaRPr>
+          </a:p>
+          <a:p>
+            <a:pPr algn="r">
+              <a:lnSpc>
+                <a:spcPct val="150000"/>
+              </a:lnSpc>
+            </a:pPr>
+            <a:endParaRPr kumimoji="0" lang="en-US" b="1" i="0" u="none" strike="noStrike" kern="1200" cap="none" spc="0" normalizeH="0" baseline="0" noProof="0" dirty="0">
+              <a:ln>
+                <a:noFill/>
+              </a:ln>
+              <a:solidFill>
+                <a:prstClr val="black"/>
+              </a:solidFill>
+              <a:effectLst/>
+              <a:uLnTx/>
+              <a:uFillTx/>
+              <a:latin typeface="Aptos" panose="02110004020202020204"/>
+              <a:ea typeface="+mn-ea"/>
+              <a:cs typeface="+mn-cs"/>
+            </a:endParaRPr>
+          </a:p>
+          <a:p>
+            <a:pPr marL="0" marR="0" lvl="0" indent="0" algn="r" defTabSz="914400" rtl="0" eaLnBrk="1" fontAlgn="auto" latinLnBrk="0" hangingPunct="1">
+              <a:lnSpc>
+                <a:spcPct val="100000"/>
+              </a:lnSpc>
+              <a:spcBef>
+                <a:spcPts val="0"/>
+              </a:spcBef>
+              <a:spcAft>
+                <a:spcPts val="0"/>
+              </a:spcAft>
+              <a:buClrTx/>
+              <a:buSzTx/>
+              <a:buFontTx/>
+              <a:buNone/>
+              <a:tabLst/>
+              <a:defRPr/>
+            </a:pPr>
+            <a:endParaRPr kumimoji="0" lang="en-US" sz="1800" b="0" i="0" u="none" strike="noStrike" kern="1200" cap="none" spc="0" normalizeH="0" baseline="0" noProof="0" dirty="0">
+              <a:ln>
+                <a:noFill/>
+              </a:ln>
+              <a:solidFill>
+                <a:prstClr val="black"/>
+              </a:solidFill>
+              <a:effectLst/>
+              <a:uLnTx/>
+              <a:uFillTx/>
+              <a:latin typeface="Aptos" panose="02110004020202020204"/>
+              <a:ea typeface="+mn-ea"/>
+              <a:cs typeface="+mn-cs"/>
+            </a:endParaRPr>
+          </a:p>
+        </p:txBody>
+      </p:sp>
+      <p:sp>
+        <p:nvSpPr>
+          <p:cNvPr id="11" name="Rectangle 3">
+            <a:extLst>
+              <a:ext uri="{FF2B5EF4-FFF2-40B4-BE49-F238E27FC236}">
+                <a16:creationId xmlns:a16="http://schemas.microsoft.com/office/drawing/2014/main" id="{BC22735D-4020-69D9-992E-AC0888C4B062}"/>
+              </a:ext>
+            </a:extLst>
+          </p:cNvPr>
+          <p:cNvSpPr>
+            <a:spLocks noChangeArrowheads="1"/>
+          </p:cNvSpPr>
+          <p:nvPr/>
+        </p:nvSpPr>
+        <p:spPr bwMode="auto">
+          <a:xfrm>
+            <a:off x="3390900" y="3588176"/>
+            <a:ext cx="12192000" cy="0"/>
+          </a:xfrm>
+          <a:prstGeom prst="rect">
+            <a:avLst/>
+          </a:prstGeom>
+          <a:noFill/>
+          <a:ln>
+            <a:noFill/>
+          </a:ln>
+          <a:effectLst/>
+          <a:extLst>
+            <a:ext uri="{909E8E84-426E-40DD-AFC4-6F175D3DCCD1}">
+              <a14:hiddenFill xmlns:a14="http://schemas.microsoft.com/office/drawing/2010/main">
+                <a:solidFill>
+                  <a:schemeClr val="accent1"/>
+                </a:solidFill>
+              </a14:hiddenFill>
+            </a:ext>
+            <a:ext uri="{91240B29-F687-4F45-9708-019B960494DF}">
+              <a14:hiddenLine xmlns:a14="http://schemas.microsoft.com/office/drawing/2010/main" w="9525">
+                <a:solidFill>
+                  <a:schemeClr val="tx1"/>
+                </a:solidFill>
+                <a:miter lim="800000"/>
+                <a:headEnd/>
+                <a:tailEnd/>
+              </a14:hiddenLine>
+            </a:ext>
+            <a:ext uri="{AF507438-7753-43E0-B8FC-AC1667EBCBE1}">
+              <a14:hiddenEffects xmlns:a14="http://schemas.microsoft.com/office/drawing/2010/main">
+                <a:effectLst>
+                  <a:outerShdw dist="35921" dir="2700000" algn="ctr" rotWithShape="0">
+                    <a:schemeClr val="bg2"/>
+                  </a:outerShdw>
+                </a:effectLst>
+              </a14:hiddenEffects>
+            </a:ext>
+          </a:extLst>
+        </p:spPr>
+        <p:txBody>
+          <a:bodyPr vert="horz" wrap="none" lIns="91440" tIns="45720" rIns="91440" bIns="45720" numCol="1" anchor="ctr" anchorCtr="0" compatLnSpc="1">
+            <a:prstTxWarp prst="textNoShape">
+              <a:avLst/>
+            </a:prstTxWarp>
+            <a:spAutoFit/>
+          </a:bodyPr>
+          <a:lstStyle/>
+          <a:p>
+            <a:pPr marL="0" marR="0" lvl="0" indent="0" algn="l" defTabSz="914400" rtl="0" eaLnBrk="0" fontAlgn="base" latinLnBrk="0" hangingPunct="0">
+              <a:lnSpc>
+                <a:spcPct val="100000"/>
+              </a:lnSpc>
+              <a:spcBef>
+                <a:spcPct val="0"/>
+              </a:spcBef>
+              <a:spcAft>
+                <a:spcPct val="0"/>
+              </a:spcAft>
+              <a:buClrTx/>
+              <a:buSzTx/>
+              <a:buFontTx/>
+              <a:buNone/>
+              <a:tabLst/>
+            </a:pPr>
+            <a:br>
+              <a:rPr kumimoji="0" lang="en-US" altLang="en-US" sz="1800" b="0" i="0" u="none" strike="noStrike" cap="none" normalizeH="0" baseline="0">
+                <a:ln>
+                  <a:noFill/>
+                </a:ln>
+                <a:solidFill>
+                  <a:schemeClr val="tx1"/>
+                </a:solidFill>
+                <a:effectLst/>
+                <a:latin typeface="Arial" panose="020B0604020202020204" pitchFamily="34" charset="0"/>
+              </a:rPr>
+            </a:br>
+            <a:endParaRPr kumimoji="0" lang="en-US" altLang="en-US" sz="1800" b="0" i="0" u="none" strike="noStrike" cap="none" normalizeH="0" baseline="0">
+              <a:ln>
+                <a:noFill/>
+              </a:ln>
+              <a:solidFill>
+                <a:schemeClr val="tx1"/>
+              </a:solidFill>
+              <a:effectLst/>
+              <a:latin typeface="Arial" panose="020B0604020202020204" pitchFamily="34" charset="0"/>
+            </a:endParaRPr>
+          </a:p>
+        </p:txBody>
+      </p:sp>
+    </p:spTree>
+    <p:extLst>
+      <p:ext uri="{BB962C8B-B14F-4D97-AF65-F5344CB8AC3E}">
+        <p14:creationId xmlns:p14="http://schemas.microsoft.com/office/powerpoint/2010/main" val="2765262634"/>
+      </p:ext>
+    </p:extLst>
+  </p:cSld>
+  <p:clrMapOvr>
+    <a:masterClrMapping/>
+  </p:clrMapOvr>
+</p:sld>
+</file>
+
+<file path=ppt/slides/slide13.xml><?xml version="1.0" encoding="utf-8"?>
 <p:sld xmlns:a="http://schemas.openxmlformats.org/drawingml/2006/main" xmlns:r="http://schemas.openxmlformats.org/officeDocument/2006/relationships" xmlns:p="http://schemas.openxmlformats.org/presentationml/2006/main" show="0">
   <p:cSld>
     <p:bg>
@@ -4345,152 +5142,6 @@
     <p:extLst>
       <p:ext uri="{BB962C8B-B14F-4D97-AF65-F5344CB8AC3E}">
         <p14:creationId xmlns:p14="http://schemas.microsoft.com/office/powerpoint/2010/main" val="4292689424"/>
-      </p:ext>
-    </p:extLst>
-  </p:cSld>
-  <p:clrMapOvr>
-    <a:masterClrMapping/>
-  </p:clrMapOvr>
-</p:sld>
-</file>
-
-<file path=ppt/slides/slide13.xml><?xml version="1.0" encoding="utf-8"?>
-<p:sld xmlns:a="http://schemas.openxmlformats.org/drawingml/2006/main" xmlns:r="http://schemas.openxmlformats.org/officeDocument/2006/relationships" xmlns:p="http://schemas.openxmlformats.org/presentationml/2006/main">
-  <p:cSld>
-    <p:bg>
-      <p:bgPr>
-        <a:blipFill dpi="0" rotWithShape="1">
-          <a:blip r:embed="rId2">
-            <a:alphaModFix amt="40000"/>
-            <a:lum/>
-          </a:blip>
-          <a:srcRect/>
-          <a:stretch>
-            <a:fillRect t="-1000" b="-1000"/>
-          </a:stretch>
-        </a:blipFill>
-        <a:effectLst/>
-      </p:bgPr>
-    </p:bg>
-    <p:spTree>
-      <p:nvGrpSpPr>
-        <p:cNvPr id="1" name=""/>
-        <p:cNvGrpSpPr/>
-        <p:nvPr/>
-      </p:nvGrpSpPr>
-      <p:grpSpPr>
-        <a:xfrm>
-          <a:off x="0" y="0"/>
-          <a:ext cx="0" cy="0"/>
-          <a:chOff x="0" y="0"/>
-          <a:chExt cx="0" cy="0"/>
-        </a:xfrm>
-      </p:grpSpPr>
-      <p:sp>
-        <p:nvSpPr>
-          <p:cNvPr id="4" name="TextBox 3">
-            <a:extLst>
-              <a:ext uri="{FF2B5EF4-FFF2-40B4-BE49-F238E27FC236}">
-                <a16:creationId xmlns:a16="http://schemas.microsoft.com/office/drawing/2014/main" id="{A12B2E20-FC2A-4256-EB50-C49C2B2C74C2}"/>
-              </a:ext>
-            </a:extLst>
-          </p:cNvPr>
-          <p:cNvSpPr txBox="1"/>
-          <p:nvPr/>
-        </p:nvSpPr>
-        <p:spPr>
-          <a:xfrm>
-            <a:off x="0" y="0"/>
-            <a:ext cx="12079224" cy="584775"/>
-          </a:xfrm>
-          <a:prstGeom prst="rect">
-            <a:avLst/>
-          </a:prstGeom>
-          <a:noFill/>
-        </p:spPr>
-        <p:txBody>
-          <a:bodyPr wrap="square" rtlCol="0">
-            <a:spAutoFit/>
-          </a:bodyPr>
-          <a:lstStyle/>
-          <a:p>
-            <a:pPr marL="0" marR="0" lvl="0" indent="0" algn="r" defTabSz="914400" rtl="0" eaLnBrk="1" fontAlgn="auto" latinLnBrk="0" hangingPunct="1">
-              <a:lnSpc>
-                <a:spcPct val="100000"/>
-              </a:lnSpc>
-              <a:spcBef>
-                <a:spcPts val="0"/>
-              </a:spcBef>
-              <a:spcAft>
-                <a:spcPts val="0"/>
-              </a:spcAft>
-              <a:buClrTx/>
-              <a:buSzTx/>
-              <a:buFontTx/>
-              <a:buNone/>
-              <a:tabLst/>
-              <a:defRPr/>
-            </a:pPr>
-            <a:r>
-              <a:rPr kumimoji="0" lang="en-US" sz="3200" b="0" i="0" u="none" strike="noStrike" kern="1200" cap="none" spc="0" normalizeH="0" baseline="0" noProof="0" dirty="0">
-                <a:ln>
-                  <a:noFill/>
-                </a:ln>
-                <a:solidFill>
-                  <a:prstClr val="black"/>
-                </a:solidFill>
-                <a:effectLst/>
-                <a:uLnTx/>
-                <a:uFillTx/>
-                <a:latin typeface="Aptos" panose="02110004020202020204"/>
-                <a:ea typeface="+mn-ea"/>
-                <a:cs typeface="+mn-cs"/>
-              </a:rPr>
-              <a:t>IP of 13 Hour Event</a:t>
-            </a:r>
-          </a:p>
-        </p:txBody>
-      </p:sp>
-      <p:pic>
-        <p:nvPicPr>
-          <p:cNvPr id="5" name="Picture 4" descr="A screen shot of a graph">
-            <a:extLst>
-              <a:ext uri="{FF2B5EF4-FFF2-40B4-BE49-F238E27FC236}">
-                <a16:creationId xmlns:a16="http://schemas.microsoft.com/office/drawing/2014/main" id="{6CFB35BC-DB86-1BF0-21FF-A77E7B6498B7}"/>
-              </a:ext>
-            </a:extLst>
-          </p:cNvPr>
-          <p:cNvPicPr>
-            <a:picLocks noChangeAspect="1"/>
-          </p:cNvPicPr>
-          <p:nvPr/>
-        </p:nvPicPr>
-        <p:blipFill>
-          <a:blip r:embed="rId3">
-            <a:extLst>
-              <a:ext uri="{28A0092B-C50C-407E-A947-70E740481C1C}">
-                <a14:useLocalDpi xmlns:a14="http://schemas.microsoft.com/office/drawing/2010/main" val="0"/>
-              </a:ext>
-            </a:extLst>
-          </a:blip>
-          <a:stretch>
-            <a:fillRect/>
-          </a:stretch>
-        </p:blipFill>
-        <p:spPr>
-          <a:xfrm>
-            <a:off x="1592839" y="584775"/>
-            <a:ext cx="9006322" cy="4958775"/>
-          </a:xfrm>
-          <a:prstGeom prst="rect">
-            <a:avLst/>
-          </a:prstGeom>
-        </p:spPr>
-      </p:pic>
-    </p:spTree>
-    <p:extLst>
-      <p:ext uri="{BB962C8B-B14F-4D97-AF65-F5344CB8AC3E}">
-        <p14:creationId xmlns:p14="http://schemas.microsoft.com/office/powerpoint/2010/main" val="230164717"/>
       </p:ext>
     </p:extLst>
   </p:cSld>
@@ -4532,48 +5183,12 @@
           <a:chExt cx="0" cy="0"/>
         </a:xfrm>
       </p:grpSpPr>
-      <p:pic>
-        <p:nvPicPr>
-          <p:cNvPr id="9" name="Picture 8" descr="A graph of a number of people&#10;&#10;Description automatically generated">
-            <a:extLst>
-              <a:ext uri="{FF2B5EF4-FFF2-40B4-BE49-F238E27FC236}">
-                <a16:creationId xmlns:a16="http://schemas.microsoft.com/office/drawing/2014/main" id="{ECDF3599-9922-4F6B-6420-804F98475DAC}"/>
-              </a:ext>
-            </a:extLst>
-          </p:cNvPr>
-          <p:cNvPicPr>
-            <a:picLocks noChangeAspect="1"/>
-          </p:cNvPicPr>
-          <p:nvPr/>
-        </p:nvPicPr>
-        <p:blipFill>
-          <a:blip r:embed="rId3">
-            <a:extLst>
-              <a:ext uri="{28A0092B-C50C-407E-A947-70E740481C1C}">
-                <a14:useLocalDpi xmlns:a14="http://schemas.microsoft.com/office/drawing/2010/main" val="0"/>
-              </a:ext>
-            </a:extLst>
-          </a:blip>
-          <a:stretch>
-            <a:fillRect/>
-          </a:stretch>
-        </p:blipFill>
-        <p:spPr>
-          <a:xfrm>
-            <a:off x="2127496" y="1108211"/>
-            <a:ext cx="7937008" cy="4279400"/>
-          </a:xfrm>
-          <a:prstGeom prst="rect">
-            <a:avLst/>
-          </a:prstGeom>
-        </p:spPr>
-      </p:pic>
-      <p:sp>
-        <p:nvSpPr>
-          <p:cNvPr id="10" name="TextBox 9">
-            <a:extLst>
-              <a:ext uri="{FF2B5EF4-FFF2-40B4-BE49-F238E27FC236}">
-                <a16:creationId xmlns:a16="http://schemas.microsoft.com/office/drawing/2014/main" id="{9E13141A-741B-7438-5901-6334A090B175}"/>
+      <p:sp>
+        <p:nvSpPr>
+          <p:cNvPr id="4" name="TextBox 3">
+            <a:extLst>
+              <a:ext uri="{FF2B5EF4-FFF2-40B4-BE49-F238E27FC236}">
+                <a16:creationId xmlns:a16="http://schemas.microsoft.com/office/drawing/2014/main" id="{A12B2E20-FC2A-4256-EB50-C49C2B2C74C2}"/>
               </a:ext>
             </a:extLst>
           </p:cNvPr>
@@ -4596,18 +5211,83 @@
           </a:bodyPr>
           <a:lstStyle/>
           <a:p>
-            <a:pPr algn="r"/>
-            <a:r>
-              <a:rPr lang="en-US" sz="3200" dirty="0"/>
-              <a:t>Connection States</a:t>
-            </a:r>
-          </a:p>
-        </p:txBody>
-      </p:sp>
+            <a:pPr marL="0" marR="0" lvl="0" indent="0" algn="r" defTabSz="914400" rtl="0" eaLnBrk="1" fontAlgn="auto" latinLnBrk="0" hangingPunct="1">
+              <a:lnSpc>
+                <a:spcPct val="100000"/>
+              </a:lnSpc>
+              <a:spcBef>
+                <a:spcPts val="0"/>
+              </a:spcBef>
+              <a:spcAft>
+                <a:spcPts val="0"/>
+              </a:spcAft>
+              <a:buClrTx/>
+              <a:buSzTx/>
+              <a:buFontTx/>
+              <a:buNone/>
+              <a:tabLst/>
+              <a:defRPr/>
+            </a:pPr>
+            <a:r>
+              <a:rPr kumimoji="0" lang="en-US" sz="3200" b="0" i="0" u="none" strike="noStrike" kern="1200" cap="none" spc="0" normalizeH="0" baseline="0" noProof="0" dirty="0">
+                <a:ln>
+                  <a:noFill/>
+                </a:ln>
+                <a:solidFill>
+                  <a:prstClr val="black"/>
+                </a:solidFill>
+                <a:effectLst/>
+                <a:uLnTx/>
+                <a:uFillTx/>
+                <a:latin typeface="Aptos" panose="02110004020202020204"/>
+                <a:ea typeface="+mn-ea"/>
+                <a:cs typeface="+mn-cs"/>
+              </a:rPr>
+              <a:t>IP of 13 Hour Event</a:t>
+            </a:r>
+          </a:p>
+        </p:txBody>
+      </p:sp>
+      <p:pic>
+        <p:nvPicPr>
+          <p:cNvPr id="5" name="Picture 4" descr="A screen shot of a graph">
+            <a:extLst>
+              <a:ext uri="{FF2B5EF4-FFF2-40B4-BE49-F238E27FC236}">
+                <a16:creationId xmlns:a16="http://schemas.microsoft.com/office/drawing/2014/main" id="{6CFB35BC-DB86-1BF0-21FF-A77E7B6498B7}"/>
+              </a:ext>
+            </a:extLst>
+          </p:cNvPr>
+          <p:cNvPicPr>
+            <a:picLocks noChangeAspect="1"/>
+          </p:cNvPicPr>
+          <p:nvPr/>
+        </p:nvPicPr>
+        <p:blipFill>
+          <a:blip r:embed="rId3">
+            <a:extLst>
+              <a:ext uri="{28A0092B-C50C-407E-A947-70E740481C1C}">
+                <a14:useLocalDpi xmlns:a14="http://schemas.microsoft.com/office/drawing/2010/main" val="0"/>
+              </a:ext>
+            </a:extLst>
+          </a:blip>
+          <a:stretch>
+            <a:fillRect/>
+          </a:stretch>
+        </p:blipFill>
+        <p:spPr>
+          <a:xfrm>
+            <a:off x="1592839" y="584775"/>
+            <a:ext cx="9006322" cy="4958775"/>
+          </a:xfrm>
+          <a:prstGeom prst="rect">
+            <a:avLst/>
+          </a:prstGeom>
+        </p:spPr>
+      </p:pic>
     </p:spTree>
     <p:extLst>
       <p:ext uri="{BB962C8B-B14F-4D97-AF65-F5344CB8AC3E}">
-        <p14:creationId xmlns:p14="http://schemas.microsoft.com/office/powerpoint/2010/main" val="4093397396"/>
+        <p14:creationId xmlns:p14="http://schemas.microsoft.com/office/powerpoint/2010/main" val="230164717"/>
       </p:ext>
     </p:extLst>
   </p:cSld>
@@ -4651,10 +5331,10 @@
       </p:grpSpPr>
       <p:pic>
         <p:nvPicPr>
-          <p:cNvPr id="9" name="Picture 8" descr="A screen shot of a graph&#10;&#10;Description automatically generated">
-            <a:extLst>
-              <a:ext uri="{FF2B5EF4-FFF2-40B4-BE49-F238E27FC236}">
-                <a16:creationId xmlns:a16="http://schemas.microsoft.com/office/drawing/2014/main" id="{12FBFF7E-9285-254D-06A0-1473404786C2}"/>
+          <p:cNvPr id="9" name="Picture 8" descr="A graph of a number of people&#10;&#10;Description automatically generated">
+            <a:extLst>
+              <a:ext uri="{FF2B5EF4-FFF2-40B4-BE49-F238E27FC236}">
+                <a16:creationId xmlns:a16="http://schemas.microsoft.com/office/drawing/2014/main" id="{ECDF3599-9922-4F6B-6420-804F98475DAC}"/>
               </a:ext>
             </a:extLst>
           </p:cNvPr>
@@ -4677,7 +5357,7 @@
         </p:blipFill>
         <p:spPr>
           <a:xfrm>
-            <a:off x="2127496" y="1289300"/>
+            <a:off x="2127496" y="1108211"/>
             <a:ext cx="7937008" cy="4279400"/>
           </a:xfrm>
           <a:prstGeom prst="rect">
@@ -4690,7 +5370,7 @@
           <p:cNvPr id="10" name="TextBox 9">
             <a:extLst>
               <a:ext uri="{FF2B5EF4-FFF2-40B4-BE49-F238E27FC236}">
-                <a16:creationId xmlns:a16="http://schemas.microsoft.com/office/drawing/2014/main" id="{9006C6B3-9430-70CB-F7FD-E05698FD41AB}"/>
+                <a16:creationId xmlns:a16="http://schemas.microsoft.com/office/drawing/2014/main" id="{9E13141A-741B-7438-5901-6334A090B175}"/>
               </a:ext>
             </a:extLst>
           </p:cNvPr>
@@ -4716,42 +5396,7 @@
             <a:pPr algn="r"/>
             <a:r>
               <a:rPr lang="en-US" sz="3200" dirty="0"/>
-              <a:t>Amount of Data from Origin</a:t>
-            </a:r>
-          </a:p>
-        </p:txBody>
-      </p:sp>
-      <p:sp>
-        <p:nvSpPr>
-          <p:cNvPr id="2" name="TextBox 1">
-            <a:extLst>
-              <a:ext uri="{FF2B5EF4-FFF2-40B4-BE49-F238E27FC236}">
-                <a16:creationId xmlns:a16="http://schemas.microsoft.com/office/drawing/2014/main" id="{47432CE9-D12A-56F0-6A60-36D79314D529}"/>
-              </a:ext>
-            </a:extLst>
-          </p:cNvPr>
-          <p:cNvSpPr txBox="1"/>
-          <p:nvPr/>
-        </p:nvSpPr>
-        <p:spPr>
-          <a:xfrm>
-            <a:off x="1200150" y="5568700"/>
-            <a:ext cx="9791700" cy="369332"/>
-          </a:xfrm>
-          <a:prstGeom prst="rect">
-            <a:avLst/>
-          </a:prstGeom>
-          <a:noFill/>
-        </p:spPr>
-        <p:txBody>
-          <a:bodyPr wrap="square" rtlCol="0">
-            <a:spAutoFit/>
-          </a:bodyPr>
-          <a:lstStyle/>
-          <a:p>
-            <a:r>
-              <a:rPr lang="en-US" dirty="0"/>
-              <a:t>The 72.05 MB event is targeting IP 74.91.117.248 and is the only time this IP is seen in the IDS data.</a:t>
+              <a:t>Connection States</a:t>
             </a:r>
           </a:p>
         </p:txBody>
@@ -4759,7 +5404,7 @@
     </p:spTree>
     <p:extLst>
       <p:ext uri="{BB962C8B-B14F-4D97-AF65-F5344CB8AC3E}">
-        <p14:creationId xmlns:p14="http://schemas.microsoft.com/office/powerpoint/2010/main" val="1625971353"/>
+        <p14:creationId xmlns:p14="http://schemas.microsoft.com/office/powerpoint/2010/main" val="4093397396"/>
       </p:ext>
     </p:extLst>
   </p:cSld>
@@ -4803,6 +5448,158 @@
       </p:grpSpPr>
       <p:pic>
         <p:nvPicPr>
+          <p:cNvPr id="9" name="Picture 8" descr="A screen shot of a graph&#10;&#10;Description automatically generated">
+            <a:extLst>
+              <a:ext uri="{FF2B5EF4-FFF2-40B4-BE49-F238E27FC236}">
+                <a16:creationId xmlns:a16="http://schemas.microsoft.com/office/drawing/2014/main" id="{12FBFF7E-9285-254D-06A0-1473404786C2}"/>
+              </a:ext>
+            </a:extLst>
+          </p:cNvPr>
+          <p:cNvPicPr>
+            <a:picLocks noChangeAspect="1"/>
+          </p:cNvPicPr>
+          <p:nvPr/>
+        </p:nvPicPr>
+        <p:blipFill>
+          <a:blip r:embed="rId3">
+            <a:extLst>
+              <a:ext uri="{28A0092B-C50C-407E-A947-70E740481C1C}">
+                <a14:useLocalDpi xmlns:a14="http://schemas.microsoft.com/office/drawing/2010/main" val="0"/>
+              </a:ext>
+            </a:extLst>
+          </a:blip>
+          <a:stretch>
+            <a:fillRect/>
+          </a:stretch>
+        </p:blipFill>
+        <p:spPr>
+          <a:xfrm>
+            <a:off x="2127496" y="1289300"/>
+            <a:ext cx="7937008" cy="4279400"/>
+          </a:xfrm>
+          <a:prstGeom prst="rect">
+            <a:avLst/>
+          </a:prstGeom>
+        </p:spPr>
+      </p:pic>
+      <p:sp>
+        <p:nvSpPr>
+          <p:cNvPr id="10" name="TextBox 9">
+            <a:extLst>
+              <a:ext uri="{FF2B5EF4-FFF2-40B4-BE49-F238E27FC236}">
+                <a16:creationId xmlns:a16="http://schemas.microsoft.com/office/drawing/2014/main" id="{9006C6B3-9430-70CB-F7FD-E05698FD41AB}"/>
+              </a:ext>
+            </a:extLst>
+          </p:cNvPr>
+          <p:cNvSpPr txBox="1"/>
+          <p:nvPr/>
+        </p:nvSpPr>
+        <p:spPr>
+          <a:xfrm>
+            <a:off x="0" y="0"/>
+            <a:ext cx="12079224" cy="584775"/>
+          </a:xfrm>
+          <a:prstGeom prst="rect">
+            <a:avLst/>
+          </a:prstGeom>
+          <a:noFill/>
+        </p:spPr>
+        <p:txBody>
+          <a:bodyPr wrap="square" rtlCol="0">
+            <a:spAutoFit/>
+          </a:bodyPr>
+          <a:lstStyle/>
+          <a:p>
+            <a:pPr algn="r"/>
+            <a:r>
+              <a:rPr lang="en-US" sz="3200" dirty="0"/>
+              <a:t>Amount of Data from Origin</a:t>
+            </a:r>
+          </a:p>
+        </p:txBody>
+      </p:sp>
+      <p:sp>
+        <p:nvSpPr>
+          <p:cNvPr id="2" name="TextBox 1">
+            <a:extLst>
+              <a:ext uri="{FF2B5EF4-FFF2-40B4-BE49-F238E27FC236}">
+                <a16:creationId xmlns:a16="http://schemas.microsoft.com/office/drawing/2014/main" id="{47432CE9-D12A-56F0-6A60-36D79314D529}"/>
+              </a:ext>
+            </a:extLst>
+          </p:cNvPr>
+          <p:cNvSpPr txBox="1"/>
+          <p:nvPr/>
+        </p:nvSpPr>
+        <p:spPr>
+          <a:xfrm>
+            <a:off x="1200150" y="5568700"/>
+            <a:ext cx="9791700" cy="369332"/>
+          </a:xfrm>
+          <a:prstGeom prst="rect">
+            <a:avLst/>
+          </a:prstGeom>
+          <a:noFill/>
+        </p:spPr>
+        <p:txBody>
+          <a:bodyPr wrap="square" rtlCol="0">
+            <a:spAutoFit/>
+          </a:bodyPr>
+          <a:lstStyle/>
+          <a:p>
+            <a:r>
+              <a:rPr lang="en-US" dirty="0"/>
+              <a:t>The 72.05 MB event is targeting IP 74.91.117.248 and is the only time this IP is seen in the IDS data.</a:t>
+            </a:r>
+          </a:p>
+        </p:txBody>
+      </p:sp>
+    </p:spTree>
+    <p:extLst>
+      <p:ext uri="{BB962C8B-B14F-4D97-AF65-F5344CB8AC3E}">
+        <p14:creationId xmlns:p14="http://schemas.microsoft.com/office/powerpoint/2010/main" val="1625971353"/>
+      </p:ext>
+    </p:extLst>
+  </p:cSld>
+  <p:clrMapOvr>
+    <a:masterClrMapping/>
+  </p:clrMapOvr>
+</p:sld>
+</file>
+
+<file path=ppt/slides/slide17.xml><?xml version="1.0" encoding="utf-8"?>
+<p:sld xmlns:a="http://schemas.openxmlformats.org/drawingml/2006/main" xmlns:r="http://schemas.openxmlformats.org/officeDocument/2006/relationships" xmlns:p="http://schemas.openxmlformats.org/presentationml/2006/main" show="0">
+  <p:cSld>
+    <p:bg>
+      <p:bgPr>
+        <a:blipFill dpi="0" rotWithShape="1">
+          <a:blip r:embed="rId2">
+            <a:alphaModFix amt="40000"/>
+            <a:lum/>
+          </a:blip>
+          <a:srcRect/>
+          <a:stretch>
+            <a:fillRect t="-1000" b="-1000"/>
+          </a:stretch>
+        </a:blipFill>
+        <a:effectLst/>
+      </p:bgPr>
+    </p:bg>
+    <p:spTree>
+      <p:nvGrpSpPr>
+        <p:cNvPr id="1" name=""/>
+        <p:cNvGrpSpPr/>
+        <p:nvPr/>
+      </p:nvGrpSpPr>
+      <p:grpSpPr>
+        <a:xfrm>
+          <a:off x="0" y="0"/>
+          <a:ext cx="0" cy="0"/>
+          <a:chOff x="0" y="0"/>
+          <a:chExt cx="0" cy="0"/>
+        </a:xfrm>
+      </p:grpSpPr>
+      <p:pic>
+        <p:nvPicPr>
           <p:cNvPr id="3" name="Picture 2" descr="A screen shot of a graph&#10;&#10;Description automatically generated">
             <a:extLst>
               <a:ext uri="{FF2B5EF4-FFF2-40B4-BE49-F238E27FC236}">
@@ -4886,7 +5683,270 @@
 </p:sld>
 </file>
 
-<file path=ppt/slides/slide17.xml><?xml version="1.0" encoding="utf-8"?>
+<file path=ppt/slides/slide18.xml><?xml version="1.0" encoding="utf-8"?>
+<p:sld xmlns:a="http://schemas.openxmlformats.org/drawingml/2006/main" xmlns:r="http://schemas.openxmlformats.org/officeDocument/2006/relationships" xmlns:p="http://schemas.openxmlformats.org/presentationml/2006/main" show="0">
+  <p:cSld>
+    <p:bg>
+      <p:bgPr>
+        <a:blipFill dpi="0" rotWithShape="1">
+          <a:blip r:embed="rId2">
+            <a:alphaModFix amt="40000"/>
+            <a:lum/>
+          </a:blip>
+          <a:srcRect/>
+          <a:stretch>
+            <a:fillRect t="-1000" b="-1000"/>
+          </a:stretch>
+        </a:blipFill>
+        <a:effectLst/>
+      </p:bgPr>
+    </p:bg>
+    <p:spTree>
+      <p:nvGrpSpPr>
+        <p:cNvPr id="1" name=""/>
+        <p:cNvGrpSpPr/>
+        <p:nvPr/>
+      </p:nvGrpSpPr>
+      <p:grpSpPr>
+        <a:xfrm>
+          <a:off x="0" y="0"/>
+          <a:ext cx="0" cy="0"/>
+          <a:chOff x="0" y="0"/>
+          <a:chExt cx="0" cy="0"/>
+        </a:xfrm>
+      </p:grpSpPr>
+      <p:sp>
+        <p:nvSpPr>
+          <p:cNvPr id="2" name="TextBox 1">
+            <a:extLst>
+              <a:ext uri="{FF2B5EF4-FFF2-40B4-BE49-F238E27FC236}">
+                <a16:creationId xmlns:a16="http://schemas.microsoft.com/office/drawing/2014/main" id="{AD25E25B-1B54-20D4-2B95-FCB6B8FDFA59}"/>
+              </a:ext>
+            </a:extLst>
+          </p:cNvPr>
+          <p:cNvSpPr txBox="1"/>
+          <p:nvPr/>
+        </p:nvSpPr>
+        <p:spPr>
+          <a:xfrm>
+            <a:off x="0" y="0"/>
+            <a:ext cx="12079224" cy="584775"/>
+          </a:xfrm>
+          <a:prstGeom prst="rect">
+            <a:avLst/>
+          </a:prstGeom>
+          <a:noFill/>
+        </p:spPr>
+        <p:txBody>
+          <a:bodyPr wrap="square" rtlCol="0">
+            <a:spAutoFit/>
+          </a:bodyPr>
+          <a:lstStyle/>
+          <a:p>
+            <a:pPr algn="r"/>
+            <a:r>
+              <a:rPr lang="en-US" sz="3200" dirty="0"/>
+              <a:t>Recommendations</a:t>
+            </a:r>
+          </a:p>
+        </p:txBody>
+      </p:sp>
+      <p:sp>
+        <p:nvSpPr>
+          <p:cNvPr id="3" name="TextBox 2">
+            <a:extLst>
+              <a:ext uri="{FF2B5EF4-FFF2-40B4-BE49-F238E27FC236}">
+                <a16:creationId xmlns:a16="http://schemas.microsoft.com/office/drawing/2014/main" id="{5A9224B9-598F-E26E-8158-779456797605}"/>
+              </a:ext>
+            </a:extLst>
+          </p:cNvPr>
+          <p:cNvSpPr txBox="1"/>
+          <p:nvPr/>
+        </p:nvSpPr>
+        <p:spPr>
+          <a:xfrm>
+            <a:off x="228600" y="485775"/>
+            <a:ext cx="10668000" cy="5355312"/>
+          </a:xfrm>
+          <a:prstGeom prst="rect">
+            <a:avLst/>
+          </a:prstGeom>
+          <a:noFill/>
+        </p:spPr>
+        <p:txBody>
+          <a:bodyPr wrap="square" rtlCol="0">
+            <a:spAutoFit/>
+          </a:bodyPr>
+          <a:lstStyle/>
+          <a:p>
+            <a:pPr>
+              <a:lnSpc>
+                <a:spcPct val="150000"/>
+              </a:lnSpc>
+            </a:pPr>
+            <a:r>
+              <a:rPr lang="en-US" b="1" dirty="0"/>
+              <a:t>Limit traffic to UDP</a:t>
+            </a:r>
+          </a:p>
+          <a:p>
+            <a:pPr>
+              <a:lnSpc>
+                <a:spcPct val="150000"/>
+              </a:lnSpc>
+            </a:pPr>
+            <a:r>
+              <a:rPr lang="en-US" b="1" dirty="0"/>
+              <a:t>More extensive logging</a:t>
+            </a:r>
+          </a:p>
+          <a:p>
+            <a:pPr marL="742950" lvl="1" indent="-285750">
+              <a:lnSpc>
+                <a:spcPct val="150000"/>
+              </a:lnSpc>
+              <a:buFont typeface="Arial" panose="020B0604020202020204" pitchFamily="34" charset="0"/>
+              <a:buChar char="•"/>
+            </a:pPr>
+            <a:r>
+              <a:rPr lang="en-US" dirty="0"/>
+              <a:t>Correlate alerts with internal logs (firewall logs) that contain original IP address information</a:t>
+            </a:r>
+          </a:p>
+          <a:p>
+            <a:pPr marL="742950" lvl="1" indent="-285750">
+              <a:lnSpc>
+                <a:spcPct val="150000"/>
+              </a:lnSpc>
+              <a:buFont typeface="Arial" panose="020B0604020202020204" pitchFamily="34" charset="0"/>
+              <a:buChar char="•"/>
+            </a:pPr>
+            <a:r>
+              <a:rPr lang="en-US" dirty="0"/>
+              <a:t>Integrate IDS with a Security Information and Event Management (SIEM) system </a:t>
+            </a:r>
+          </a:p>
+          <a:p>
+            <a:pPr marL="1200150" lvl="2" indent="-285750">
+              <a:lnSpc>
+                <a:spcPct val="150000"/>
+              </a:lnSpc>
+              <a:buFont typeface="Arial" panose="020B0604020202020204" pitchFamily="34" charset="0"/>
+              <a:buChar char="•"/>
+            </a:pPr>
+            <a:r>
+              <a:rPr lang="en-US" dirty="0"/>
+              <a:t>Will aggregate and correlate data from multiple sources</a:t>
+            </a:r>
+          </a:p>
+          <a:p>
+            <a:pPr marL="742950" lvl="1" indent="-285750">
+              <a:lnSpc>
+                <a:spcPct val="150000"/>
+              </a:lnSpc>
+              <a:buFont typeface="Arial" panose="020B0604020202020204" pitchFamily="34" charset="0"/>
+              <a:buChar char="•"/>
+            </a:pPr>
+            <a:r>
+              <a:rPr lang="en-US" dirty="0"/>
+              <a:t>Configure NAT devices to log detailed translation information</a:t>
+            </a:r>
+          </a:p>
+          <a:p>
+            <a:pPr marL="1200150" lvl="2" indent="-285750">
+              <a:lnSpc>
+                <a:spcPct val="150000"/>
+              </a:lnSpc>
+              <a:buFont typeface="Arial" panose="020B0604020202020204" pitchFamily="34" charset="0"/>
+              <a:buChar char="•"/>
+            </a:pPr>
+            <a:r>
+              <a:rPr lang="en-US" dirty="0"/>
+              <a:t>Include internal-to-external IP mappings </a:t>
+            </a:r>
+          </a:p>
+          <a:p>
+            <a:pPr marL="1200150" lvl="2" indent="-285750">
+              <a:lnSpc>
+                <a:spcPct val="150000"/>
+              </a:lnSpc>
+              <a:buFont typeface="Arial" panose="020B0604020202020204" pitchFamily="34" charset="0"/>
+              <a:buChar char="•"/>
+            </a:pPr>
+            <a:r>
+              <a:rPr lang="en-US" dirty="0"/>
+              <a:t>Can be used to trace back the internal source of traffic</a:t>
+            </a:r>
+          </a:p>
+          <a:p>
+            <a:pPr>
+              <a:lnSpc>
+                <a:spcPct val="150000"/>
+              </a:lnSpc>
+            </a:pPr>
+            <a:r>
+              <a:rPr lang="en-US" b="1" dirty="0"/>
+              <a:t>Future Analysis</a:t>
+            </a:r>
+          </a:p>
+          <a:p>
+            <a:pPr marL="742950" lvl="1" indent="-285750">
+              <a:lnSpc>
+                <a:spcPct val="150000"/>
+              </a:lnSpc>
+              <a:buFont typeface="Arial" panose="020B0604020202020204" pitchFamily="34" charset="0"/>
+              <a:buChar char="•"/>
+            </a:pPr>
+            <a:r>
+              <a:rPr lang="en-US" dirty="0"/>
+              <a:t>The above recommendations will offer a more in-depth opportunity for future analysis</a:t>
+            </a:r>
+          </a:p>
+          <a:p>
+            <a:pPr marL="742950" lvl="1" indent="-285750">
+              <a:lnSpc>
+                <a:spcPct val="150000"/>
+              </a:lnSpc>
+              <a:buFont typeface="Arial" panose="020B0604020202020204" pitchFamily="34" charset="0"/>
+              <a:buChar char="•"/>
+            </a:pPr>
+            <a:r>
+              <a:rPr lang="en-US" dirty="0"/>
+              <a:t>The original dataset shows how necessary it is to configure your IDS</a:t>
+            </a:r>
+          </a:p>
+          <a:p>
+            <a:pPr marL="742950" lvl="1" indent="-285750">
+              <a:lnSpc>
+                <a:spcPct val="150000"/>
+              </a:lnSpc>
+              <a:buFont typeface="Arial" panose="020B0604020202020204" pitchFamily="34" charset="0"/>
+              <a:buChar char="•"/>
+            </a:pPr>
+            <a:r>
+              <a:rPr lang="en-US" dirty="0"/>
+              <a:t>Analysis on a properly configured dataset may prove invaluable</a:t>
+            </a:r>
+          </a:p>
+          <a:p>
+            <a:endParaRPr lang="en-US" dirty="0"/>
+          </a:p>
+        </p:txBody>
+      </p:sp>
+    </p:spTree>
+    <p:extLst>
+      <p:ext uri="{BB962C8B-B14F-4D97-AF65-F5344CB8AC3E}">
+        <p14:creationId xmlns:p14="http://schemas.microsoft.com/office/powerpoint/2010/main" val="1065983344"/>
+      </p:ext>
+    </p:extLst>
+  </p:cSld>
+  <p:clrMapOvr>
+    <a:masterClrMapping/>
+  </p:clrMapOvr>
+</p:sld>
+</file>
+
+<file path=ppt/slides/slide19.xml><?xml version="1.0" encoding="utf-8"?>
 <p:sld xmlns:a="http://schemas.openxmlformats.org/drawingml/2006/main" xmlns:r="http://schemas.openxmlformats.org/officeDocument/2006/relationships" xmlns:p="http://schemas.openxmlformats.org/presentationml/2006/main">
   <p:cSld>
     <p:bg>
@@ -4946,269 +6006,6 @@
           </a:bodyPr>
           <a:lstStyle/>
           <a:p>
-            <a:pPr algn="r"/>
-            <a:r>
-              <a:rPr lang="en-US" sz="3200" dirty="0"/>
-              <a:t>Recommendations</a:t>
-            </a:r>
-          </a:p>
-        </p:txBody>
-      </p:sp>
-      <p:sp>
-        <p:nvSpPr>
-          <p:cNvPr id="3" name="TextBox 2">
-            <a:extLst>
-              <a:ext uri="{FF2B5EF4-FFF2-40B4-BE49-F238E27FC236}">
-                <a16:creationId xmlns:a16="http://schemas.microsoft.com/office/drawing/2014/main" id="{5A9224B9-598F-E26E-8158-779456797605}"/>
-              </a:ext>
-            </a:extLst>
-          </p:cNvPr>
-          <p:cNvSpPr txBox="1"/>
-          <p:nvPr/>
-        </p:nvSpPr>
-        <p:spPr>
-          <a:xfrm>
-            <a:off x="228600" y="485775"/>
-            <a:ext cx="10668000" cy="5355312"/>
-          </a:xfrm>
-          <a:prstGeom prst="rect">
-            <a:avLst/>
-          </a:prstGeom>
-          <a:noFill/>
-        </p:spPr>
-        <p:txBody>
-          <a:bodyPr wrap="square" rtlCol="0">
-            <a:spAutoFit/>
-          </a:bodyPr>
-          <a:lstStyle/>
-          <a:p>
-            <a:pPr>
-              <a:lnSpc>
-                <a:spcPct val="150000"/>
-              </a:lnSpc>
-            </a:pPr>
-            <a:r>
-              <a:rPr lang="en-US" b="1" dirty="0"/>
-              <a:t>Limit traffic to UDP</a:t>
-            </a:r>
-          </a:p>
-          <a:p>
-            <a:pPr>
-              <a:lnSpc>
-                <a:spcPct val="150000"/>
-              </a:lnSpc>
-            </a:pPr>
-            <a:r>
-              <a:rPr lang="en-US" b="1" dirty="0"/>
-              <a:t>More extensive logging</a:t>
-            </a:r>
-          </a:p>
-          <a:p>
-            <a:pPr marL="742950" lvl="1" indent="-285750">
-              <a:lnSpc>
-                <a:spcPct val="150000"/>
-              </a:lnSpc>
-              <a:buFont typeface="Arial" panose="020B0604020202020204" pitchFamily="34" charset="0"/>
-              <a:buChar char="•"/>
-            </a:pPr>
-            <a:r>
-              <a:rPr lang="en-US" dirty="0"/>
-              <a:t>Correlate alerts with internal logs (firewall logs) that contain original IP address information</a:t>
-            </a:r>
-          </a:p>
-          <a:p>
-            <a:pPr marL="742950" lvl="1" indent="-285750">
-              <a:lnSpc>
-                <a:spcPct val="150000"/>
-              </a:lnSpc>
-              <a:buFont typeface="Arial" panose="020B0604020202020204" pitchFamily="34" charset="0"/>
-              <a:buChar char="•"/>
-            </a:pPr>
-            <a:r>
-              <a:rPr lang="en-US" dirty="0"/>
-              <a:t>Integrate IDS with a Security Information and Event Management (SIEM) system </a:t>
-            </a:r>
-          </a:p>
-          <a:p>
-            <a:pPr marL="1200150" lvl="2" indent="-285750">
-              <a:lnSpc>
-                <a:spcPct val="150000"/>
-              </a:lnSpc>
-              <a:buFont typeface="Arial" panose="020B0604020202020204" pitchFamily="34" charset="0"/>
-              <a:buChar char="•"/>
-            </a:pPr>
-            <a:r>
-              <a:rPr lang="en-US" dirty="0"/>
-              <a:t>Will aggregate and correlate data from multiple sources</a:t>
-            </a:r>
-          </a:p>
-          <a:p>
-            <a:pPr marL="742950" lvl="1" indent="-285750">
-              <a:lnSpc>
-                <a:spcPct val="150000"/>
-              </a:lnSpc>
-              <a:buFont typeface="Arial" panose="020B0604020202020204" pitchFamily="34" charset="0"/>
-              <a:buChar char="•"/>
-            </a:pPr>
-            <a:r>
-              <a:rPr lang="en-US" dirty="0"/>
-              <a:t>Configure NAT devices to log detailed translation information</a:t>
-            </a:r>
-          </a:p>
-          <a:p>
-            <a:pPr marL="1200150" lvl="2" indent="-285750">
-              <a:lnSpc>
-                <a:spcPct val="150000"/>
-              </a:lnSpc>
-              <a:buFont typeface="Arial" panose="020B0604020202020204" pitchFamily="34" charset="0"/>
-              <a:buChar char="•"/>
-            </a:pPr>
-            <a:r>
-              <a:rPr lang="en-US" dirty="0"/>
-              <a:t>Include internal-to-external IP mappings </a:t>
-            </a:r>
-          </a:p>
-          <a:p>
-            <a:pPr marL="1200150" lvl="2" indent="-285750">
-              <a:lnSpc>
-                <a:spcPct val="150000"/>
-              </a:lnSpc>
-              <a:buFont typeface="Arial" panose="020B0604020202020204" pitchFamily="34" charset="0"/>
-              <a:buChar char="•"/>
-            </a:pPr>
-            <a:r>
-              <a:rPr lang="en-US" dirty="0"/>
-              <a:t>Can be used to trace back the internal source of traffic</a:t>
-            </a:r>
-          </a:p>
-          <a:p>
-            <a:pPr>
-              <a:lnSpc>
-                <a:spcPct val="150000"/>
-              </a:lnSpc>
-            </a:pPr>
-            <a:r>
-              <a:rPr lang="en-US" b="1" dirty="0"/>
-              <a:t>Future Analysis</a:t>
-            </a:r>
-          </a:p>
-          <a:p>
-            <a:pPr marL="742950" lvl="1" indent="-285750">
-              <a:lnSpc>
-                <a:spcPct val="150000"/>
-              </a:lnSpc>
-              <a:buFont typeface="Arial" panose="020B0604020202020204" pitchFamily="34" charset="0"/>
-              <a:buChar char="•"/>
-            </a:pPr>
-            <a:r>
-              <a:rPr lang="en-US" dirty="0"/>
-              <a:t>The above recommendations will offer a more in-depth opportunity for future analysis</a:t>
-            </a:r>
-          </a:p>
-          <a:p>
-            <a:pPr marL="742950" lvl="1" indent="-285750">
-              <a:lnSpc>
-                <a:spcPct val="150000"/>
-              </a:lnSpc>
-              <a:buFont typeface="Arial" panose="020B0604020202020204" pitchFamily="34" charset="0"/>
-              <a:buChar char="•"/>
-            </a:pPr>
-            <a:r>
-              <a:rPr lang="en-US" dirty="0"/>
-              <a:t>The original dataset shows how necessary it is to configure your IDS</a:t>
-            </a:r>
-          </a:p>
-          <a:p>
-            <a:pPr marL="742950" lvl="1" indent="-285750">
-              <a:lnSpc>
-                <a:spcPct val="150000"/>
-              </a:lnSpc>
-              <a:buFont typeface="Arial" panose="020B0604020202020204" pitchFamily="34" charset="0"/>
-              <a:buChar char="•"/>
-            </a:pPr>
-            <a:r>
-              <a:rPr lang="en-US" dirty="0"/>
-              <a:t>Analysis on a properly configured dataset may prove invaluable</a:t>
-            </a:r>
-          </a:p>
-          <a:p>
-            <a:endParaRPr lang="en-US" dirty="0"/>
-          </a:p>
-        </p:txBody>
-      </p:sp>
-    </p:spTree>
-    <p:extLst>
-      <p:ext uri="{BB962C8B-B14F-4D97-AF65-F5344CB8AC3E}">
-        <p14:creationId xmlns:p14="http://schemas.microsoft.com/office/powerpoint/2010/main" val="1065983344"/>
-      </p:ext>
-    </p:extLst>
-  </p:cSld>
-  <p:clrMapOvr>
-    <a:masterClrMapping/>
-  </p:clrMapOvr>
-</p:sld>
-</file>
-
-<file path=ppt/slides/slide18.xml><?xml version="1.0" encoding="utf-8"?>
-<p:sld xmlns:a="http://schemas.openxmlformats.org/drawingml/2006/main" xmlns:r="http://schemas.openxmlformats.org/officeDocument/2006/relationships" xmlns:p="http://schemas.openxmlformats.org/presentationml/2006/main">
-  <p:cSld>
-    <p:bg>
-      <p:bgPr>
-        <a:blipFill dpi="0" rotWithShape="1">
-          <a:blip r:embed="rId2">
-            <a:alphaModFix amt="40000"/>
-            <a:lum/>
-          </a:blip>
-          <a:srcRect/>
-          <a:stretch>
-            <a:fillRect t="-1000" b="-1000"/>
-          </a:stretch>
-        </a:blipFill>
-        <a:effectLst/>
-      </p:bgPr>
-    </p:bg>
-    <p:spTree>
-      <p:nvGrpSpPr>
-        <p:cNvPr id="1" name=""/>
-        <p:cNvGrpSpPr/>
-        <p:nvPr/>
-      </p:nvGrpSpPr>
-      <p:grpSpPr>
-        <a:xfrm>
-          <a:off x="0" y="0"/>
-          <a:ext cx="0" cy="0"/>
-          <a:chOff x="0" y="0"/>
-          <a:chExt cx="0" cy="0"/>
-        </a:xfrm>
-      </p:grpSpPr>
-      <p:sp>
-        <p:nvSpPr>
-          <p:cNvPr id="2" name="TextBox 1">
-            <a:extLst>
-              <a:ext uri="{FF2B5EF4-FFF2-40B4-BE49-F238E27FC236}">
-                <a16:creationId xmlns:a16="http://schemas.microsoft.com/office/drawing/2014/main" id="{AD25E25B-1B54-20D4-2B95-FCB6B8FDFA59}"/>
-              </a:ext>
-            </a:extLst>
-          </p:cNvPr>
-          <p:cNvSpPr txBox="1"/>
-          <p:nvPr/>
-        </p:nvSpPr>
-        <p:spPr>
-          <a:xfrm>
-            <a:off x="0" y="0"/>
-            <a:ext cx="12079224" cy="584775"/>
-          </a:xfrm>
-          <a:prstGeom prst="rect">
-            <a:avLst/>
-          </a:prstGeom>
-          <a:noFill/>
-        </p:spPr>
-        <p:txBody>
-          <a:bodyPr wrap="square" rtlCol="0">
-            <a:spAutoFit/>
-          </a:bodyPr>
-          <a:lstStyle/>
-          <a:p>
             <a:pPr marL="0" marR="0" lvl="0" indent="0" algn="r" defTabSz="914400" rtl="0" eaLnBrk="1" fontAlgn="auto" latinLnBrk="0" hangingPunct="1">
               <a:lnSpc>
                 <a:spcPct val="100000"/>
@@ -5408,12 +6205,8 @@
           </a:p>
           <a:p>
             <a:r>
-              <a:rPr lang="en-US" dirty="0" err="1"/>
-              <a:t>Github</a:t>
-            </a:r>
-            <a:r>
               <a:rPr lang="en-US" dirty="0"/>
-              <a:t> Repository: https://github.com/sdave777/Internet-of-Things_IDS_Data</a:t>
+              <a:t>https://github.com/sdave777/Network-Analysis-and-DCO-Prioritization</a:t>
             </a:r>
           </a:p>
         </p:txBody>
@@ -5983,7 +6776,7 @@
                 </a:solidFill>
                 <a:latin typeface="Aptos" panose="02110004020202020204"/>
               </a:rPr>
-              <a:t>To ascertain most likely malicious activity and efficacy of mitigations</a:t>
+              <a:t>To predict most likely malicious activity and test the efficacy of recommended mitigations</a:t>
             </a:r>
           </a:p>
           <a:p>
@@ -6841,7 +7634,7 @@
 </file>
 
 <file path=ppt/slides/slide7.xml><?xml version="1.0" encoding="utf-8"?>
-<p:sld xmlns:a="http://schemas.openxmlformats.org/drawingml/2006/main" xmlns:r="http://schemas.openxmlformats.org/officeDocument/2006/relationships" xmlns:p="http://schemas.openxmlformats.org/presentationml/2006/main">
+<p:sld xmlns:a="http://schemas.openxmlformats.org/drawingml/2006/main" xmlns:r="http://schemas.openxmlformats.org/officeDocument/2006/relationships" xmlns:p="http://schemas.openxmlformats.org/presentationml/2006/main" show="0">
   <p:cSld>
     <p:bg>
       <p:bgPr>

--- a/Presentation.pptx
+++ b/Presentation.pptx
@@ -4380,7 +4380,7 @@
         <p:spPr>
           <a:xfrm>
             <a:off x="228600" y="485775"/>
-            <a:ext cx="5410200" cy="3277820"/>
+            <a:ext cx="5867400" cy="4108817"/>
           </a:xfrm>
           <a:prstGeom prst="rect">
             <a:avLst/>
@@ -4542,6 +4542,32 @@
               </a:rPr>
               <a:t>Ports that were accessed</a:t>
             </a:r>
+          </a:p>
+          <a:p>
+            <a:pPr>
+              <a:lnSpc>
+                <a:spcPct val="150000"/>
+              </a:lnSpc>
+            </a:pPr>
+            <a:endParaRPr lang="en-US" b="1" dirty="0">
+              <a:solidFill>
+                <a:prstClr val="black"/>
+              </a:solidFill>
+              <a:latin typeface="Aptos" panose="02110004020202020204"/>
+            </a:endParaRPr>
+          </a:p>
+          <a:p>
+            <a:pPr>
+              <a:lnSpc>
+                <a:spcPct val="150000"/>
+              </a:lnSpc>
+            </a:pPr>
+            <a:endParaRPr lang="en-US" b="1" dirty="0">
+              <a:solidFill>
+                <a:prstClr val="black"/>
+              </a:solidFill>
+              <a:latin typeface="Aptos" panose="02110004020202020204"/>
+            </a:endParaRPr>
           </a:p>
           <a:p>
             <a:pPr>
@@ -5018,6 +5044,41 @@
               <a:effectLst/>
               <a:latin typeface="Arial" panose="020B0604020202020204" pitchFamily="34" charset="0"/>
             </a:endParaRPr>
+          </a:p>
+        </p:txBody>
+      </p:sp>
+      <p:sp>
+        <p:nvSpPr>
+          <p:cNvPr id="5" name="TextBox 4">
+            <a:extLst>
+              <a:ext uri="{FF2B5EF4-FFF2-40B4-BE49-F238E27FC236}">
+                <a16:creationId xmlns:a16="http://schemas.microsoft.com/office/drawing/2014/main" id="{452E6243-71F2-A60B-D40E-AA85133D5C56}"/>
+              </a:ext>
+            </a:extLst>
+          </p:cNvPr>
+          <p:cNvSpPr txBox="1"/>
+          <p:nvPr/>
+        </p:nvSpPr>
+        <p:spPr>
+          <a:xfrm>
+            <a:off x="112776" y="5857875"/>
+            <a:ext cx="11850624" cy="369332"/>
+          </a:xfrm>
+          <a:prstGeom prst="rect">
+            <a:avLst/>
+          </a:prstGeom>
+          <a:noFill/>
+        </p:spPr>
+        <p:txBody>
+          <a:bodyPr wrap="square" rtlCol="0">
+            <a:spAutoFit/>
+          </a:bodyPr>
+          <a:lstStyle/>
+          <a:p>
+            <a:r>
+              <a:rPr lang="en-US" dirty="0"/>
+              <a:t>https://network-analysis-and-dco-prioritization.onrender.com/docs#/</a:t>
+            </a:r>
           </a:p>
         </p:txBody>
       </p:sp>
@@ -6152,9 +6213,6 @@
             <a:br>
               <a:rPr lang="en-US" dirty="0"/>
             </a:br>
-            <a:endParaRPr lang="en-US" dirty="0"/>
-          </a:p>
-          <a:p>
             <a:r>
               <a:rPr lang="en-US" dirty="0"/>
               <a:t>Pandas</a:t>
@@ -6202,6 +6260,12 @@
           </a:p>
           <a:p>
             <a:endParaRPr lang="en-US" dirty="0"/>
+          </a:p>
+          <a:p>
+            <a:r>
+              <a:rPr lang="en-US" dirty="0"/>
+              <a:t>https://network-analysis-and-dco-prioritization.onrender.com/docs#/</a:t>
+            </a:r>
           </a:p>
           <a:p>
             <a:r>
